--- a/Final Presentation.pptx
+++ b/Final Presentation.pptx
@@ -6,13 +6,14 @@
   </p:sldMasterIdLst>
   <p:sldIdLst>
     <p:sldId id="256" r:id="rId2"/>
-    <p:sldId id="257" r:id="rId3"/>
-    <p:sldId id="258" r:id="rId4"/>
-    <p:sldId id="263" r:id="rId5"/>
-    <p:sldId id="264" r:id="rId6"/>
-    <p:sldId id="265" r:id="rId7"/>
-    <p:sldId id="266" r:id="rId8"/>
-    <p:sldId id="267" r:id="rId9"/>
+    <p:sldId id="268" r:id="rId3"/>
+    <p:sldId id="257" r:id="rId4"/>
+    <p:sldId id="258" r:id="rId5"/>
+    <p:sldId id="263" r:id="rId6"/>
+    <p:sldId id="264" r:id="rId7"/>
+    <p:sldId id="265" r:id="rId8"/>
+    <p:sldId id="266" r:id="rId9"/>
+    <p:sldId id="267" r:id="rId10"/>
   </p:sldIdLst>
   <p:sldSz cx="12192000" cy="6858000"/>
   <p:notesSz cx="6858000" cy="9144000"/>
@@ -111,6 +112,11 @@
       </a:defRPr>
     </a:lvl9pPr>
   </p:defaultTextStyle>
+  <p:extLst>
+    <p:ext uri="{EFAFB233-063F-42B5-8137-9DF3F51BA10A}">
+      <p15:sldGuideLst xmlns:p15="http://schemas.microsoft.com/office/powerpoint/2012/main"/>
+    </p:ext>
+  </p:extLst>
 </p:presentation>
 </file>
 
@@ -13287,6 +13293,904 @@
       </p:grpSpPr>
       <p:grpSp>
         <p:nvGrpSpPr>
+          <p:cNvPr id="41" name="Group 40">
+            <a:extLst>
+              <a:ext uri="{FF2B5EF4-FFF2-40B4-BE49-F238E27FC236}">
+                <a16:creationId xmlns:a16="http://schemas.microsoft.com/office/drawing/2014/main" id="{93E10248-AF0E-477D-B4D2-47C02CE4E353}"/>
+              </a:ext>
+              <a:ext uri="{C183D7F6-B498-43B3-948B-1728B52AA6E4}">
+                <adec:decorative xmlns:adec="http://schemas.microsoft.com/office/drawing/2017/decorative" val="1"/>
+              </a:ext>
+            </a:extLst>
+          </p:cNvPr>
+          <p:cNvGrpSpPr>
+            <a:grpSpLocks noGrp="1" noUngrp="1" noRot="1" noChangeAspect="1" noMove="1" noResize="1"/>
+          </p:cNvGrpSpPr>
+          <p:nvPr>
+            <p:extLst>
+              <p:ext uri="{386F3935-93C4-4BCD-93E2-E3B085C9AB24}">
+                <p16:designElem xmlns:p16="http://schemas.microsoft.com/office/powerpoint/2015/main" val="1"/>
+              </p:ext>
+            </p:extLst>
+          </p:nvPr>
+        </p:nvGrpSpPr>
+        <p:grpSpPr>
+          <a:xfrm>
+            <a:off x="0" y="0"/>
+            <a:ext cx="12192000" cy="6858000"/>
+            <a:chOff x="0" y="0"/>
+            <a:chExt cx="12192000" cy="6858000"/>
+          </a:xfrm>
+        </p:grpSpPr>
+        <p:sp>
+          <p:nvSpPr>
+            <p:cNvPr id="42" name="Rectangle 41">
+              <a:extLst>
+                <a:ext uri="{FF2B5EF4-FFF2-40B4-BE49-F238E27FC236}">
+                  <a16:creationId xmlns:a16="http://schemas.microsoft.com/office/drawing/2014/main" id="{533010C2-2DA5-460F-A40C-5317F567A03E}"/>
+                </a:ext>
+                <a:ext uri="{C183D7F6-B498-43B3-948B-1728B52AA6E4}">
+                  <adec:decorative xmlns:adec="http://schemas.microsoft.com/office/drawing/2017/decorative" val="1"/>
+                </a:ext>
+              </a:extLst>
+            </p:cNvPr>
+            <p:cNvSpPr/>
+            <p:nvPr>
+              <p:extLst>
+                <p:ext uri="{386F3935-93C4-4BCD-93E2-E3B085C9AB24}">
+                  <p16:designElem xmlns:p16="http://schemas.microsoft.com/office/powerpoint/2015/main" val="1"/>
+                </p:ext>
+              </p:extLst>
+            </p:nvPr>
+          </p:nvSpPr>
+          <p:spPr>
+            <a:xfrm>
+              <a:off x="0" y="0"/>
+              <a:ext cx="12192000" cy="6858000"/>
+            </a:xfrm>
+            <a:prstGeom prst="rect">
+              <a:avLst/>
+            </a:prstGeom>
+            <a:blipFill>
+              <a:blip r:embed="rId2">
+                <a:duotone>
+                  <a:schemeClr val="dk2">
+                    <a:shade val="69000"/>
+                    <a:hueMod val="91000"/>
+                    <a:satMod val="164000"/>
+                    <a:lumMod val="74000"/>
+                  </a:schemeClr>
+                  <a:schemeClr val="dk2">
+                    <a:hueMod val="124000"/>
+                    <a:satMod val="140000"/>
+                    <a:lumMod val="142000"/>
+                  </a:schemeClr>
+                </a:duotone>
+              </a:blip>
+              <a:stretch>
+                <a:fillRect/>
+              </a:stretch>
+            </a:blipFill>
+            <a:ln>
+              <a:noFill/>
+            </a:ln>
+          </p:spPr>
+          <p:style>
+            <a:lnRef idx="2">
+              <a:schemeClr val="accent1">
+                <a:shade val="50000"/>
+              </a:schemeClr>
+            </a:lnRef>
+            <a:fillRef idx="1">
+              <a:schemeClr val="accent1"/>
+            </a:fillRef>
+            <a:effectRef idx="0">
+              <a:schemeClr val="accent1"/>
+            </a:effectRef>
+            <a:fontRef idx="minor">
+              <a:schemeClr val="lt1"/>
+            </a:fontRef>
+          </p:style>
+        </p:sp>
+        <p:sp>
+          <p:nvSpPr>
+            <p:cNvPr id="43" name="Freeform 5">
+              <a:extLst>
+                <a:ext uri="{FF2B5EF4-FFF2-40B4-BE49-F238E27FC236}">
+                  <a16:creationId xmlns:a16="http://schemas.microsoft.com/office/drawing/2014/main" id="{17CB0634-F963-4EC9-A6F6-8EA46BD1F103}"/>
+                </a:ext>
+                <a:ext uri="{C183D7F6-B498-43B3-948B-1728B52AA6E4}">
+                  <adec:decorative xmlns:adec="http://schemas.microsoft.com/office/drawing/2017/decorative" val="1"/>
+                </a:ext>
+              </a:extLst>
+            </p:cNvPr>
+            <p:cNvSpPr>
+              <a:spLocks noEditPoints="1"/>
+            </p:cNvSpPr>
+            <p:nvPr>
+              <p:extLst>
+                <p:ext uri="{386F3935-93C4-4BCD-93E2-E3B085C9AB24}">
+                  <p16:designElem xmlns:p16="http://schemas.microsoft.com/office/powerpoint/2015/main" val="1"/>
+                </p:ext>
+              </p:extLst>
+            </p:nvPr>
+          </p:nvSpPr>
+          <p:spPr bwMode="gray">
+            <a:xfrm>
+              <a:off x="0" y="1587"/>
+              <a:ext cx="12192000" cy="6856413"/>
+            </a:xfrm>
+            <a:custGeom>
+              <a:avLst/>
+              <a:gdLst/>
+              <a:ahLst/>
+              <a:cxnLst/>
+              <a:rect l="0" t="0" r="r" b="b"/>
+              <a:pathLst>
+                <a:path w="15356" h="8638">
+                  <a:moveTo>
+                    <a:pt x="0" y="0"/>
+                  </a:moveTo>
+                  <a:lnTo>
+                    <a:pt x="0" y="8638"/>
+                  </a:lnTo>
+                  <a:lnTo>
+                    <a:pt x="15356" y="8638"/>
+                  </a:lnTo>
+                  <a:lnTo>
+                    <a:pt x="15356" y="0"/>
+                  </a:lnTo>
+                  <a:lnTo>
+                    <a:pt x="0" y="0"/>
+                  </a:lnTo>
+                  <a:close/>
+                  <a:moveTo>
+                    <a:pt x="14748" y="8038"/>
+                  </a:moveTo>
+                  <a:lnTo>
+                    <a:pt x="600" y="8038"/>
+                  </a:lnTo>
+                  <a:lnTo>
+                    <a:pt x="600" y="592"/>
+                  </a:lnTo>
+                  <a:lnTo>
+                    <a:pt x="14748" y="592"/>
+                  </a:lnTo>
+                  <a:lnTo>
+                    <a:pt x="14748" y="8038"/>
+                  </a:lnTo>
+                  <a:close/>
+                </a:path>
+              </a:pathLst>
+            </a:custGeom>
+            <a:solidFill>
+              <a:schemeClr val="bg1"/>
+            </a:solidFill>
+            <a:ln>
+              <a:noFill/>
+            </a:ln>
+          </p:spPr>
+        </p:sp>
+      </p:grpSp>
+      <p:sp>
+        <p:nvSpPr>
+          <p:cNvPr id="45" name="Rectangle 44">
+            <a:extLst>
+              <a:ext uri="{FF2B5EF4-FFF2-40B4-BE49-F238E27FC236}">
+                <a16:creationId xmlns:a16="http://schemas.microsoft.com/office/drawing/2014/main" id="{73C0A186-7444-4460-9C37-532E7671E99E}"/>
+              </a:ext>
+              <a:ext uri="{C183D7F6-B498-43B3-948B-1728B52AA6E4}">
+                <adec:decorative xmlns:adec="http://schemas.microsoft.com/office/drawing/2017/decorative" val="1"/>
+              </a:ext>
+            </a:extLst>
+          </p:cNvPr>
+          <p:cNvSpPr>
+            <a:spLocks noGrp="1" noRot="1" noChangeAspect="1" noMove="1" noResize="1" noEditPoints="1" noAdjustHandles="1" noChangeArrowheads="1" noChangeShapeType="1" noTextEdit="1"/>
+          </p:cNvSpPr>
+          <p:nvPr>
+            <p:extLst>
+              <p:ext uri="{386F3935-93C4-4BCD-93E2-E3B085C9AB24}">
+                <p16:designElem xmlns:p16="http://schemas.microsoft.com/office/powerpoint/2015/main" val="1"/>
+              </p:ext>
+            </p:extLst>
+          </p:nvPr>
+        </p:nvSpPr>
+        <p:spPr>
+          <a:xfrm>
+            <a:off x="10437812" y="0"/>
+            <a:ext cx="685800" cy="1143000"/>
+          </a:xfrm>
+          <a:prstGeom prst="rect">
+            <a:avLst/>
+          </a:prstGeom>
+          <a:solidFill>
+            <a:schemeClr val="accent1"/>
+          </a:solidFill>
+          <a:ln>
+            <a:noFill/>
+          </a:ln>
+        </p:spPr>
+        <p:style>
+          <a:lnRef idx="1">
+            <a:schemeClr val="accent1"/>
+          </a:lnRef>
+          <a:fillRef idx="3">
+            <a:schemeClr val="accent1"/>
+          </a:fillRef>
+          <a:effectRef idx="2">
+            <a:schemeClr val="accent1"/>
+          </a:effectRef>
+          <a:fontRef idx="minor">
+            <a:schemeClr val="lt1"/>
+          </a:fontRef>
+        </p:style>
+      </p:sp>
+      <p:sp>
+        <p:nvSpPr>
+          <p:cNvPr id="47" name="Rectangle 46">
+            <a:extLst>
+              <a:ext uri="{FF2B5EF4-FFF2-40B4-BE49-F238E27FC236}">
+                <a16:creationId xmlns:a16="http://schemas.microsoft.com/office/drawing/2014/main" id="{B219AE65-9B94-44EA-BEF3-EF4BFA169C81}"/>
+              </a:ext>
+              <a:ext uri="{C183D7F6-B498-43B3-948B-1728B52AA6E4}">
+                <adec:decorative xmlns:adec="http://schemas.microsoft.com/office/drawing/2017/decorative" val="1"/>
+              </a:ext>
+            </a:extLst>
+          </p:cNvPr>
+          <p:cNvSpPr>
+            <a:spLocks noGrp="1" noRot="1" noChangeAspect="1" noMove="1" noResize="1" noEditPoints="1" noAdjustHandles="1" noChangeArrowheads="1" noChangeShapeType="1" noTextEdit="1"/>
+          </p:cNvSpPr>
+          <p:nvPr>
+            <p:extLst>
+              <p:ext uri="{386F3935-93C4-4BCD-93E2-E3B085C9AB24}">
+                <p16:designElem xmlns:p16="http://schemas.microsoft.com/office/powerpoint/2015/main" val="1"/>
+              </p:ext>
+            </p:extLst>
+          </p:nvPr>
+        </p:nvSpPr>
+        <p:spPr>
+          <a:xfrm>
+            <a:off x="0" y="0"/>
+            <a:ext cx="12192000" cy="6858000"/>
+          </a:xfrm>
+          <a:prstGeom prst="rect">
+            <a:avLst/>
+          </a:prstGeom>
+          <a:solidFill>
+            <a:schemeClr val="accent1"/>
+          </a:solidFill>
+          <a:ln>
+            <a:noFill/>
+          </a:ln>
+        </p:spPr>
+        <p:style>
+          <a:lnRef idx="2">
+            <a:schemeClr val="accent1">
+              <a:shade val="50000"/>
+            </a:schemeClr>
+          </a:lnRef>
+          <a:fillRef idx="1">
+            <a:schemeClr val="accent1"/>
+          </a:fillRef>
+          <a:effectRef idx="0">
+            <a:schemeClr val="accent1"/>
+          </a:effectRef>
+          <a:fontRef idx="minor">
+            <a:schemeClr val="lt1"/>
+          </a:fontRef>
+        </p:style>
+        <p:txBody>
+          <a:bodyPr rtlCol="0" anchor="ctr"/>
+          <a:lstStyle/>
+          <a:p>
+            <a:pPr algn="ctr"/>
+            <a:endParaRPr lang="en-US"/>
+          </a:p>
+        </p:txBody>
+      </p:sp>
+      <p:sp>
+        <p:nvSpPr>
+          <p:cNvPr id="49" name="Rectangle 48">
+            <a:extLst>
+              <a:ext uri="{FF2B5EF4-FFF2-40B4-BE49-F238E27FC236}">
+                <a16:creationId xmlns:a16="http://schemas.microsoft.com/office/drawing/2014/main" id="{F0C81A57-9CD5-461B-8FFE-4A8CB6CFBE01}"/>
+              </a:ext>
+              <a:ext uri="{C183D7F6-B498-43B3-948B-1728B52AA6E4}">
+                <adec:decorative xmlns:adec="http://schemas.microsoft.com/office/drawing/2017/decorative" val="1"/>
+              </a:ext>
+            </a:extLst>
+          </p:cNvPr>
+          <p:cNvSpPr>
+            <a:spLocks noGrp="1" noRot="1" noChangeAspect="1" noMove="1" noResize="1" noEditPoints="1" noAdjustHandles="1" noChangeArrowheads="1" noChangeShapeType="1" noTextEdit="1"/>
+          </p:cNvSpPr>
+          <p:nvPr>
+            <p:extLst>
+              <p:ext uri="{386F3935-93C4-4BCD-93E2-E3B085C9AB24}">
+                <p16:designElem xmlns:p16="http://schemas.microsoft.com/office/powerpoint/2015/main" val="1"/>
+              </p:ext>
+            </p:extLst>
+          </p:nvPr>
+        </p:nvSpPr>
+        <p:spPr>
+          <a:xfrm>
+            <a:off x="11017539" y="467397"/>
+            <a:ext cx="695829" cy="5919116"/>
+          </a:xfrm>
+          <a:prstGeom prst="rect">
+            <a:avLst/>
+          </a:prstGeom>
+          <a:solidFill>
+            <a:srgbClr val="0D0D0D"/>
+          </a:solidFill>
+          <a:ln>
+            <a:noFill/>
+          </a:ln>
+          <a:effectLst/>
+        </p:spPr>
+        <p:style>
+          <a:lnRef idx="1">
+            <a:schemeClr val="accent1"/>
+          </a:lnRef>
+          <a:fillRef idx="3">
+            <a:schemeClr val="accent1"/>
+          </a:fillRef>
+          <a:effectRef idx="2">
+            <a:schemeClr val="accent1"/>
+          </a:effectRef>
+          <a:fontRef idx="minor">
+            <a:schemeClr val="lt1"/>
+          </a:fontRef>
+        </p:style>
+      </p:sp>
+      <p:grpSp>
+        <p:nvGrpSpPr>
+          <p:cNvPr id="51" name="Group 50">
+            <a:extLst>
+              <a:ext uri="{FF2B5EF4-FFF2-40B4-BE49-F238E27FC236}">
+                <a16:creationId xmlns:a16="http://schemas.microsoft.com/office/drawing/2014/main" id="{3086C462-37F4-494D-8292-CCB95221CC1A}"/>
+              </a:ext>
+              <a:ext uri="{C183D7F6-B498-43B3-948B-1728B52AA6E4}">
+                <adec:decorative xmlns:adec="http://schemas.microsoft.com/office/drawing/2017/decorative" val="1"/>
+              </a:ext>
+            </a:extLst>
+          </p:cNvPr>
+          <p:cNvGrpSpPr>
+            <a:grpSpLocks noGrp="1" noUngrp="1" noRot="1" noChangeAspect="1" noMove="1" noResize="1"/>
+          </p:cNvGrpSpPr>
+          <p:nvPr>
+            <p:extLst>
+              <p:ext uri="{386F3935-93C4-4BCD-93E2-E3B085C9AB24}">
+                <p16:designElem xmlns:p16="http://schemas.microsoft.com/office/powerpoint/2015/main" val="1"/>
+              </p:ext>
+            </p:extLst>
+          </p:nvPr>
+        </p:nvGrpSpPr>
+        <p:grpSpPr>
+          <a:xfrm>
+            <a:off x="0" y="0"/>
+            <a:ext cx="12192000" cy="6858000"/>
+            <a:chOff x="0" y="0"/>
+            <a:chExt cx="12192000" cy="6858000"/>
+          </a:xfrm>
+          <a:solidFill>
+            <a:srgbClr val="FFFFFF"/>
+          </a:solidFill>
+        </p:grpSpPr>
+        <p:sp>
+          <p:nvSpPr>
+            <p:cNvPr id="52" name="Rectangle 51">
+              <a:extLst>
+                <a:ext uri="{FF2B5EF4-FFF2-40B4-BE49-F238E27FC236}">
+                  <a16:creationId xmlns:a16="http://schemas.microsoft.com/office/drawing/2014/main" id="{2C7D2D64-353F-4802-AA48-A70CE6020B93}"/>
+                </a:ext>
+                <a:ext uri="{C183D7F6-B498-43B3-948B-1728B52AA6E4}">
+                  <adec:decorative xmlns:adec="http://schemas.microsoft.com/office/drawing/2017/decorative" val="1"/>
+                </a:ext>
+              </a:extLst>
+            </p:cNvPr>
+            <p:cNvSpPr/>
+            <p:nvPr>
+              <p:extLst>
+                <p:ext uri="{386F3935-93C4-4BCD-93E2-E3B085C9AB24}">
+                  <p16:designElem xmlns:p16="http://schemas.microsoft.com/office/powerpoint/2015/main" val="1"/>
+                </p:ext>
+              </p:extLst>
+            </p:nvPr>
+          </p:nvSpPr>
+          <p:spPr>
+            <a:xfrm>
+              <a:off x="0" y="0"/>
+              <a:ext cx="12192000" cy="6858000"/>
+            </a:xfrm>
+            <a:prstGeom prst="rect">
+              <a:avLst/>
+            </a:prstGeom>
+            <a:noFill/>
+            <a:ln>
+              <a:noFill/>
+            </a:ln>
+          </p:spPr>
+          <p:style>
+            <a:lnRef idx="2">
+              <a:schemeClr val="accent1">
+                <a:shade val="50000"/>
+              </a:schemeClr>
+            </a:lnRef>
+            <a:fillRef idx="1">
+              <a:schemeClr val="accent1"/>
+            </a:fillRef>
+            <a:effectRef idx="0">
+              <a:schemeClr val="accent1"/>
+            </a:effectRef>
+            <a:fontRef idx="minor">
+              <a:schemeClr val="lt1"/>
+            </a:fontRef>
+          </p:style>
+        </p:sp>
+        <p:sp>
+          <p:nvSpPr>
+            <p:cNvPr id="53" name="Freeform 5">
+              <a:extLst>
+                <a:ext uri="{FF2B5EF4-FFF2-40B4-BE49-F238E27FC236}">
+                  <a16:creationId xmlns:a16="http://schemas.microsoft.com/office/drawing/2014/main" id="{30A6328F-CAA3-4052-BF4C-14BD47706E65}"/>
+                </a:ext>
+                <a:ext uri="{C183D7F6-B498-43B3-948B-1728B52AA6E4}">
+                  <adec:decorative xmlns:adec="http://schemas.microsoft.com/office/drawing/2017/decorative" val="1"/>
+                </a:ext>
+              </a:extLst>
+            </p:cNvPr>
+            <p:cNvSpPr>
+              <a:spLocks noEditPoints="1"/>
+            </p:cNvSpPr>
+            <p:nvPr>
+              <p:extLst>
+                <p:ext uri="{386F3935-93C4-4BCD-93E2-E3B085C9AB24}">
+                  <p16:designElem xmlns:p16="http://schemas.microsoft.com/office/powerpoint/2015/main" val="1"/>
+                </p:ext>
+              </p:extLst>
+            </p:nvPr>
+          </p:nvSpPr>
+          <p:spPr bwMode="gray">
+            <a:xfrm>
+              <a:off x="0" y="1587"/>
+              <a:ext cx="12192000" cy="6856413"/>
+            </a:xfrm>
+            <a:custGeom>
+              <a:avLst/>
+              <a:gdLst/>
+              <a:ahLst/>
+              <a:cxnLst/>
+              <a:rect l="0" t="0" r="r" b="b"/>
+              <a:pathLst>
+                <a:path w="15356" h="8638">
+                  <a:moveTo>
+                    <a:pt x="0" y="0"/>
+                  </a:moveTo>
+                  <a:lnTo>
+                    <a:pt x="0" y="8638"/>
+                  </a:lnTo>
+                  <a:lnTo>
+                    <a:pt x="15356" y="8638"/>
+                  </a:lnTo>
+                  <a:lnTo>
+                    <a:pt x="15356" y="0"/>
+                  </a:lnTo>
+                  <a:lnTo>
+                    <a:pt x="0" y="0"/>
+                  </a:lnTo>
+                  <a:close/>
+                  <a:moveTo>
+                    <a:pt x="14748" y="8038"/>
+                  </a:moveTo>
+                  <a:lnTo>
+                    <a:pt x="600" y="8038"/>
+                  </a:lnTo>
+                  <a:lnTo>
+                    <a:pt x="600" y="592"/>
+                  </a:lnTo>
+                  <a:lnTo>
+                    <a:pt x="14748" y="592"/>
+                  </a:lnTo>
+                  <a:lnTo>
+                    <a:pt x="14748" y="8038"/>
+                  </a:lnTo>
+                  <a:close/>
+                </a:path>
+              </a:pathLst>
+            </a:custGeom>
+            <a:solidFill>
+              <a:srgbClr val="FFFFFF"/>
+            </a:solidFill>
+            <a:ln>
+              <a:noFill/>
+            </a:ln>
+          </p:spPr>
+        </p:sp>
+      </p:grpSp>
+      <p:sp>
+        <p:nvSpPr>
+          <p:cNvPr id="2" name="Title 1">
+            <a:extLst>
+              <a:ext uri="{FF2B5EF4-FFF2-40B4-BE49-F238E27FC236}">
+                <a16:creationId xmlns:a16="http://schemas.microsoft.com/office/drawing/2014/main" id="{44A0DB49-2F6B-364C-BADC-EC2E473B582C}"/>
+              </a:ext>
+            </a:extLst>
+          </p:cNvPr>
+          <p:cNvSpPr>
+            <a:spLocks noGrp="1"/>
+          </p:cNvSpPr>
+          <p:nvPr>
+            <p:ph type="title"/>
+          </p:nvPr>
+        </p:nvSpPr>
+        <p:spPr>
+          <a:xfrm>
+            <a:off x="806077" y="749307"/>
+            <a:ext cx="8825658" cy="636581"/>
+          </a:xfrm>
+        </p:spPr>
+        <p:txBody>
+          <a:bodyPr vert="horz" lIns="91440" tIns="45720" rIns="91440" bIns="45720" rtlCol="0" anchor="t">
+            <a:normAutofit/>
+          </a:bodyPr>
+          <a:lstStyle/>
+          <a:p>
+            <a:pPr>
+              <a:lnSpc>
+                <a:spcPct val="90000"/>
+              </a:lnSpc>
+            </a:pPr>
+            <a:r>
+              <a:rPr lang="en-US" sz="3200" dirty="0">
+                <a:solidFill>
+                  <a:srgbClr val="FFFFFF"/>
+                </a:solidFill>
+              </a:rPr>
+              <a:t>Probing Questions</a:t>
+            </a:r>
+          </a:p>
+        </p:txBody>
+      </p:sp>
+      <p:sp>
+        <p:nvSpPr>
+          <p:cNvPr id="30" name="Title 1">
+            <a:extLst>
+              <a:ext uri="{FF2B5EF4-FFF2-40B4-BE49-F238E27FC236}">
+                <a16:creationId xmlns:a16="http://schemas.microsoft.com/office/drawing/2014/main" id="{84E517F2-A3E5-1B41-90E2-7D2E8A53D115}"/>
+              </a:ext>
+            </a:extLst>
+          </p:cNvPr>
+          <p:cNvSpPr txBox="1">
+            <a:spLocks/>
+          </p:cNvSpPr>
+          <p:nvPr/>
+        </p:nvSpPr>
+        <p:spPr bwMode="gray">
+          <a:xfrm>
+            <a:off x="806076" y="1497027"/>
+            <a:ext cx="9938123" cy="4889486"/>
+          </a:xfrm>
+          <a:prstGeom prst="rect">
+            <a:avLst/>
+          </a:prstGeom>
+        </p:spPr>
+        <p:txBody>
+          <a:bodyPr vert="horz" lIns="91440" tIns="45720" rIns="91440" bIns="45720" rtlCol="0" anchor="t">
+            <a:normAutofit/>
+          </a:bodyPr>
+          <a:lstStyle>
+            <a:lvl1pPr algn="l" defTabSz="457200" rtl="0" eaLnBrk="1" latinLnBrk="0" hangingPunct="1">
+              <a:spcBef>
+                <a:spcPct val="0"/>
+              </a:spcBef>
+              <a:buNone/>
+              <a:defRPr sz="3600" b="0" i="0" kern="1200">
+                <a:solidFill>
+                  <a:schemeClr val="bg2"/>
+                </a:solidFill>
+                <a:latin typeface="+mj-lt"/>
+                <a:ea typeface="+mj-ea"/>
+                <a:cs typeface="+mj-cs"/>
+              </a:defRPr>
+            </a:lvl1pPr>
+            <a:lvl2pPr eaLnBrk="1" hangingPunct="1">
+              <a:defRPr>
+                <a:solidFill>
+                  <a:schemeClr val="tx2"/>
+                </a:solidFill>
+              </a:defRPr>
+            </a:lvl2pPr>
+            <a:lvl3pPr eaLnBrk="1" hangingPunct="1">
+              <a:defRPr>
+                <a:solidFill>
+                  <a:schemeClr val="tx2"/>
+                </a:solidFill>
+              </a:defRPr>
+            </a:lvl3pPr>
+            <a:lvl4pPr eaLnBrk="1" hangingPunct="1">
+              <a:defRPr>
+                <a:solidFill>
+                  <a:schemeClr val="tx2"/>
+                </a:solidFill>
+              </a:defRPr>
+            </a:lvl4pPr>
+            <a:lvl5pPr eaLnBrk="1" hangingPunct="1">
+              <a:defRPr>
+                <a:solidFill>
+                  <a:schemeClr val="tx2"/>
+                </a:solidFill>
+              </a:defRPr>
+            </a:lvl5pPr>
+            <a:lvl6pPr eaLnBrk="1" hangingPunct="1">
+              <a:defRPr>
+                <a:solidFill>
+                  <a:schemeClr val="tx2"/>
+                </a:solidFill>
+              </a:defRPr>
+            </a:lvl6pPr>
+            <a:lvl7pPr eaLnBrk="1" hangingPunct="1">
+              <a:defRPr>
+                <a:solidFill>
+                  <a:schemeClr val="tx2"/>
+                </a:solidFill>
+              </a:defRPr>
+            </a:lvl7pPr>
+            <a:lvl8pPr eaLnBrk="1" hangingPunct="1">
+              <a:defRPr>
+                <a:solidFill>
+                  <a:schemeClr val="tx2"/>
+                </a:solidFill>
+              </a:defRPr>
+            </a:lvl8pPr>
+            <a:lvl9pPr eaLnBrk="1" hangingPunct="1">
+              <a:defRPr>
+                <a:solidFill>
+                  <a:schemeClr val="tx2"/>
+                </a:solidFill>
+              </a:defRPr>
+            </a:lvl9pPr>
+          </a:lstStyle>
+          <a:p>
+            <a:pPr>
+              <a:lnSpc>
+                <a:spcPct val="90000"/>
+              </a:lnSpc>
+            </a:pPr>
+            <a:r>
+              <a:rPr lang="en-US" sz="1600" b="1" dirty="0">
+                <a:solidFill>
+                  <a:srgbClr val="FFFFFF"/>
+                </a:solidFill>
+              </a:rPr>
+              <a:t>Competition:</a:t>
+            </a:r>
+          </a:p>
+          <a:p>
+            <a:pPr marL="342900" indent="-342900">
+              <a:lnSpc>
+                <a:spcPct val="90000"/>
+              </a:lnSpc>
+              <a:spcBef>
+                <a:spcPts val="1200"/>
+              </a:spcBef>
+              <a:buFont typeface="Arial" panose="020B0604020202020204" pitchFamily="34" charset="0"/>
+              <a:buChar char="•"/>
+            </a:pPr>
+            <a:r>
+              <a:rPr lang="en-US" sz="1400" dirty="0">
+                <a:solidFill>
+                  <a:srgbClr val="FFFFFF"/>
+                </a:solidFill>
+              </a:rPr>
+              <a:t>Which production companies make the most movies?</a:t>
+            </a:r>
+          </a:p>
+          <a:p>
+            <a:pPr marL="342900" indent="-342900">
+              <a:lnSpc>
+                <a:spcPct val="90000"/>
+              </a:lnSpc>
+              <a:spcBef>
+                <a:spcPts val="1200"/>
+              </a:spcBef>
+              <a:buFont typeface="Arial" panose="020B0604020202020204" pitchFamily="34" charset="0"/>
+              <a:buChar char="•"/>
+            </a:pPr>
+            <a:r>
+              <a:rPr lang="en-US" sz="1400" dirty="0">
+                <a:solidFill>
+                  <a:srgbClr val="FFFFFF"/>
+                </a:solidFill>
+              </a:rPr>
+              <a:t>Which production companies make the highest grossing movies on average?</a:t>
+            </a:r>
+          </a:p>
+          <a:p>
+            <a:pPr>
+              <a:lnSpc>
+                <a:spcPct val="90000"/>
+              </a:lnSpc>
+              <a:spcBef>
+                <a:spcPts val="1200"/>
+              </a:spcBef>
+            </a:pPr>
+            <a:r>
+              <a:rPr lang="en-US" sz="1600" b="1" dirty="0">
+                <a:solidFill>
+                  <a:srgbClr val="FFFFFF"/>
+                </a:solidFill>
+              </a:rPr>
+              <a:t>Genres:</a:t>
+            </a:r>
+          </a:p>
+          <a:p>
+            <a:pPr marL="342900" indent="-342900">
+              <a:lnSpc>
+                <a:spcPct val="90000"/>
+              </a:lnSpc>
+              <a:spcBef>
+                <a:spcPts val="1200"/>
+              </a:spcBef>
+              <a:buFont typeface="Arial" panose="020B0604020202020204" pitchFamily="34" charset="0"/>
+              <a:buChar char="•"/>
+            </a:pPr>
+            <a:r>
+              <a:rPr lang="en-US" sz="1400" dirty="0">
+                <a:solidFill>
+                  <a:srgbClr val="FFFFFF"/>
+                </a:solidFill>
+              </a:rPr>
+              <a:t>Which genres are most oversaturated?</a:t>
+            </a:r>
+            <a:endParaRPr lang="en-US" sz="1400" b="1" dirty="0">
+              <a:solidFill>
+                <a:srgbClr val="FFFFFF"/>
+              </a:solidFill>
+            </a:endParaRPr>
+          </a:p>
+          <a:p>
+            <a:pPr marL="342900" indent="-342900">
+              <a:lnSpc>
+                <a:spcPct val="90000"/>
+              </a:lnSpc>
+              <a:spcBef>
+                <a:spcPts val="1200"/>
+              </a:spcBef>
+              <a:buFont typeface="Arial" panose="020B0604020202020204" pitchFamily="34" charset="0"/>
+              <a:buChar char="•"/>
+            </a:pPr>
+            <a:r>
+              <a:rPr lang="en-US" sz="1400" dirty="0">
+                <a:solidFill>
+                  <a:srgbClr val="FFFFFF"/>
+                </a:solidFill>
+              </a:rPr>
+              <a:t>Which genres return the highest profit?</a:t>
+            </a:r>
+            <a:endParaRPr lang="en-US" sz="1400" b="1" dirty="0">
+              <a:solidFill>
+                <a:srgbClr val="FFFFFF"/>
+              </a:solidFill>
+            </a:endParaRPr>
+          </a:p>
+          <a:p>
+            <a:pPr>
+              <a:lnSpc>
+                <a:spcPct val="90000"/>
+              </a:lnSpc>
+              <a:spcBef>
+                <a:spcPts val="1200"/>
+              </a:spcBef>
+            </a:pPr>
+            <a:r>
+              <a:rPr lang="en-US" sz="1600" b="1" dirty="0">
+                <a:solidFill>
+                  <a:srgbClr val="FFFFFF"/>
+                </a:solidFill>
+              </a:rPr>
+              <a:t>Release Month:</a:t>
+            </a:r>
+          </a:p>
+          <a:p>
+            <a:pPr marL="285750" indent="-285750">
+              <a:lnSpc>
+                <a:spcPct val="90000"/>
+              </a:lnSpc>
+              <a:spcBef>
+                <a:spcPts val="1200"/>
+              </a:spcBef>
+              <a:buFont typeface="Arial" panose="020B0604020202020204" pitchFamily="34" charset="0"/>
+              <a:buChar char="•"/>
+            </a:pPr>
+            <a:r>
+              <a:rPr lang="en-US" sz="1400" dirty="0">
+                <a:solidFill>
+                  <a:srgbClr val="FFFFFF"/>
+                </a:solidFill>
+              </a:rPr>
+              <a:t>Which months are most movies released?</a:t>
+            </a:r>
+          </a:p>
+          <a:p>
+            <a:pPr>
+              <a:lnSpc>
+                <a:spcPct val="90000"/>
+              </a:lnSpc>
+              <a:spcBef>
+                <a:spcPts val="1200"/>
+              </a:spcBef>
+            </a:pPr>
+            <a:r>
+              <a:rPr lang="en-US" sz="1600" b="1" dirty="0">
+                <a:solidFill>
+                  <a:srgbClr val="FFFFFF"/>
+                </a:solidFill>
+              </a:rPr>
+              <a:t>Runtime:</a:t>
+            </a:r>
+          </a:p>
+          <a:p>
+            <a:pPr marL="285750" indent="-285750">
+              <a:lnSpc>
+                <a:spcPct val="90000"/>
+              </a:lnSpc>
+              <a:spcBef>
+                <a:spcPts val="1200"/>
+              </a:spcBef>
+              <a:buFont typeface="Arial" panose="020B0604020202020204" pitchFamily="34" charset="0"/>
+              <a:buChar char="•"/>
+            </a:pPr>
+            <a:r>
+              <a:rPr lang="en-US" sz="1400" dirty="0">
+                <a:solidFill>
+                  <a:srgbClr val="FFFFFF"/>
+                </a:solidFill>
+              </a:rPr>
+              <a:t>What is the optimal runtime for the highest grossing genres?</a:t>
+            </a:r>
+          </a:p>
+        </p:txBody>
+      </p:sp>
+    </p:spTree>
+    <p:extLst>
+      <p:ext uri="{BB962C8B-B14F-4D97-AF65-F5344CB8AC3E}">
+        <p14:creationId xmlns:p14="http://schemas.microsoft.com/office/powerpoint/2010/main" val="2015190411"/>
+      </p:ext>
+    </p:extLst>
+  </p:cSld>
+  <p:clrMapOvr>
+    <a:overrideClrMapping bg1="dk1" tx1="lt1" bg2="dk2" tx2="lt2" accent1="accent1" accent2="accent2" accent3="accent3" accent4="accent4" accent5="accent5" accent6="accent6" hlink="hlink" folHlink="folHlink"/>
+  </p:clrMapOvr>
+</p:sld>
+</file>
+
+<file path=ppt/slides/slide3.xml><?xml version="1.0" encoding="utf-8"?>
+<p:sld xmlns:a="http://schemas.openxmlformats.org/drawingml/2006/main" xmlns:r="http://schemas.openxmlformats.org/officeDocument/2006/relationships" xmlns:p="http://schemas.openxmlformats.org/presentationml/2006/main">
+  <p:cSld>
+    <p:bg>
+      <p:bgPr>
+        <a:solidFill>
+          <a:schemeClr val="bg1"/>
+        </a:solidFill>
+        <a:effectLst/>
+      </p:bgPr>
+    </p:bg>
+    <p:spTree>
+      <p:nvGrpSpPr>
+        <p:cNvPr id="1" name=""/>
+        <p:cNvGrpSpPr/>
+        <p:nvPr/>
+      </p:nvGrpSpPr>
+      <p:grpSpPr>
+        <a:xfrm>
+          <a:off x="0" y="0"/>
+          <a:ext cx="0" cy="0"/>
+          <a:chOff x="0" y="0"/>
+          <a:chExt cx="0" cy="0"/>
+        </a:xfrm>
+      </p:grpSpPr>
+      <p:grpSp>
+        <p:nvGrpSpPr>
           <p:cNvPr id="42" name="Group 41">
             <a:extLst>
               <a:ext uri="{FF2B5EF4-FFF2-40B4-BE49-F238E27FC236}">
@@ -13920,7 +14824,7 @@
 </p:sld>
 </file>
 
-<file path=ppt/slides/slide3.xml><?xml version="1.0" encoding="utf-8"?>
+<file path=ppt/slides/slide4.xml><?xml version="1.0" encoding="utf-8"?>
 <p:sld xmlns:a="http://schemas.openxmlformats.org/drawingml/2006/main" xmlns:r="http://schemas.openxmlformats.org/officeDocument/2006/relationships" xmlns:p="http://schemas.openxmlformats.org/presentationml/2006/main">
   <p:cSld>
     <p:bg>
@@ -14580,7 +15484,7 @@
 </p:sld>
 </file>
 
-<file path=ppt/slides/slide4.xml><?xml version="1.0" encoding="utf-8"?>
+<file path=ppt/slides/slide5.xml><?xml version="1.0" encoding="utf-8"?>
 <p:sld xmlns:a="http://schemas.openxmlformats.org/drawingml/2006/main" xmlns:r="http://schemas.openxmlformats.org/officeDocument/2006/relationships" xmlns:p="http://schemas.openxmlformats.org/presentationml/2006/main">
   <p:cSld>
     <p:bg>
@@ -15007,7 +15911,7 @@
                   <a:schemeClr val="tx2"/>
                 </a:solidFill>
               </a:rPr>
-              <a:t>How has genre popularity changed over the years?</a:t>
+              <a:t>Drama, Comedy, and Thrillers are oversaturated</a:t>
             </a:r>
             <a:endParaRPr lang="en-US" sz="2800" dirty="0">
               <a:solidFill>
@@ -15224,7 +16128,7 @@
 </p:sld>
 </file>
 
-<file path=ppt/slides/slide5.xml><?xml version="1.0" encoding="utf-8"?>
+<file path=ppt/slides/slide6.xml><?xml version="1.0" encoding="utf-8"?>
 <p:sld xmlns:a="http://schemas.openxmlformats.org/drawingml/2006/main" xmlns:r="http://schemas.openxmlformats.org/officeDocument/2006/relationships" xmlns:p="http://schemas.openxmlformats.org/presentationml/2006/main">
   <p:cSld>
     <p:bg>
@@ -15651,7 +16555,7 @@
                   <a:schemeClr val="tx2"/>
                 </a:solidFill>
               </a:rPr>
-              <a:t>Which are the most profitable genres?</a:t>
+              <a:t>Fantasy, Animation, and Adventure return the highest profit</a:t>
             </a:r>
             <a:endParaRPr lang="en-US" sz="2800" dirty="0">
               <a:solidFill>
@@ -15981,7 +16885,7 @@
 </p:sld>
 </file>
 
-<file path=ppt/slides/slide6.xml><?xml version="1.0" encoding="utf-8"?>
+<file path=ppt/slides/slide7.xml><?xml version="1.0" encoding="utf-8"?>
 <p:sld xmlns:a="http://schemas.openxmlformats.org/drawingml/2006/main" xmlns:r="http://schemas.openxmlformats.org/officeDocument/2006/relationships" xmlns:p="http://schemas.openxmlformats.org/presentationml/2006/main">
   <p:cSld>
     <p:bg>
@@ -16408,7 +17312,7 @@
                   <a:schemeClr val="tx2"/>
                 </a:solidFill>
               </a:rPr>
-              <a:t>Which month are movies typically released, by genre?</a:t>
+              <a:t>Most movies are released in September, also known as “Dump Month”</a:t>
             </a:r>
             <a:endParaRPr lang="en-US" sz="2800" dirty="0">
               <a:solidFill>
@@ -16738,7 +17642,7 @@
 </p:sld>
 </file>
 
-<file path=ppt/slides/slide7.xml><?xml version="1.0" encoding="utf-8"?>
+<file path=ppt/slides/slide8.xml><?xml version="1.0" encoding="utf-8"?>
 <p:sld xmlns:a="http://schemas.openxmlformats.org/drawingml/2006/main" xmlns:r="http://schemas.openxmlformats.org/officeDocument/2006/relationships" xmlns:p="http://schemas.openxmlformats.org/presentationml/2006/main">
   <p:cSld>
     <p:bg>
@@ -17165,7 +18069,7 @@
                   <a:schemeClr val="tx2"/>
                 </a:solidFill>
               </a:rPr>
-              <a:t>What is the typical runtime for Fantasy, Animation, and Adventure movies?</a:t>
+              <a:t>Fantasy, Animation, and Adventure movies tend to run for 100 minutes</a:t>
             </a:r>
             <a:endParaRPr lang="en-US" sz="2800" dirty="0">
               <a:solidFill>
@@ -17382,7 +18286,7 @@
 </p:sld>
 </file>
 
-<file path=ppt/slides/slide8.xml><?xml version="1.0" encoding="utf-8"?>
+<file path=ppt/slides/slide9.xml><?xml version="1.0" encoding="utf-8"?>
 <p:sld xmlns:a="http://schemas.openxmlformats.org/drawingml/2006/main" xmlns:r="http://schemas.openxmlformats.org/officeDocument/2006/relationships" xmlns:p="http://schemas.openxmlformats.org/presentationml/2006/main">
   <p:cSld>
     <p:bg>
@@ -18093,12 +18997,28 @@
               <a:buChar char="•"/>
             </a:pPr>
             <a:r>
-              <a:rPr lang="en-US" sz="1600" dirty="0">
+              <a:rPr lang="en-US" sz="1400" dirty="0">
                 <a:solidFill>
                   <a:srgbClr val="FFFFFF"/>
                 </a:solidFill>
               </a:rPr>
-              <a:t>Investigate the operations of production companies such as Universal Pictures and Warner Brothers to optimize your movie production output </a:t>
+              <a:t>Investigate the operations of production companies such as </a:t>
+            </a:r>
+            <a:r>
+              <a:rPr lang="en-US" sz="1400" b="1" dirty="0">
+                <a:solidFill>
+                  <a:srgbClr val="FFFFFF"/>
+                </a:solidFill>
+              </a:rPr>
+              <a:t>Universal Pictures and Warner Brothers </a:t>
+            </a:r>
+            <a:r>
+              <a:rPr lang="en-US" sz="1400" dirty="0">
+                <a:solidFill>
+                  <a:srgbClr val="FFFFFF"/>
+                </a:solidFill>
+              </a:rPr>
+              <a:t>to optimize your movie production output </a:t>
             </a:r>
           </a:p>
           <a:p>
@@ -18113,15 +19033,23 @@
               <a:buChar char="•"/>
             </a:pPr>
             <a:r>
-              <a:rPr lang="en-US" sz="1600" dirty="0">
+              <a:rPr lang="en-US" sz="1400" dirty="0">
                 <a:solidFill>
                   <a:srgbClr val="FFFFFF"/>
                 </a:solidFill>
               </a:rPr>
-              <a:t>Focus on developing large franchises like those owned by Marvel and </a:t>
+              <a:t>Focus on developing large franchises like those owned by </a:t>
             </a:r>
             <a:r>
-              <a:rPr lang="en-US" sz="1600" dirty="0" err="1">
+              <a:rPr lang="en-US" sz="1400" b="1" dirty="0">
+                <a:solidFill>
+                  <a:srgbClr val="FFFFFF"/>
+                </a:solidFill>
+              </a:rPr>
+              <a:t>Marvel and </a:t>
+            </a:r>
+            <a:r>
+              <a:rPr lang="en-US" sz="1400" b="1" dirty="0" err="1">
                 <a:solidFill>
                   <a:srgbClr val="FFFFFF"/>
                 </a:solidFill>
@@ -18129,12 +19057,20 @@
               <a:t>Lucasfilms</a:t>
             </a:r>
             <a:r>
-              <a:rPr lang="en-US" sz="1600" dirty="0">
+              <a:rPr lang="en-US" sz="1400" b="1" dirty="0">
                 <a:solidFill>
                   <a:srgbClr val="FFFFFF"/>
                 </a:solidFill>
               </a:rPr>
-              <a:t> in order to maximize total revenue at the box office</a:t>
+              <a:t> </a:t>
+            </a:r>
+            <a:r>
+              <a:rPr lang="en-US" sz="1400" dirty="0">
+                <a:solidFill>
+                  <a:srgbClr val="FFFFFF"/>
+                </a:solidFill>
+              </a:rPr>
+              <a:t>in order to maximize total revenue at the box office</a:t>
             </a:r>
           </a:p>
           <a:p>
@@ -18167,12 +19103,20 @@
               <a:buChar char="•"/>
             </a:pPr>
             <a:r>
-              <a:rPr lang="en-US" sz="1600" dirty="0">
+              <a:rPr lang="en-US" sz="1400" dirty="0">
                 <a:solidFill>
                   <a:srgbClr val="FFFFFF"/>
                 </a:solidFill>
               </a:rPr>
-              <a:t>Avoid genres like Drama, Comedy, and Thriller as these are highly saturated</a:t>
+              <a:t>Avoid genres like Drama, Comedy, and Thriller as these are </a:t>
+            </a:r>
+            <a:r>
+              <a:rPr lang="en-US" sz="1400" b="1" dirty="0">
+                <a:solidFill>
+                  <a:srgbClr val="FFFFFF"/>
+                </a:solidFill>
+              </a:rPr>
+              <a:t>highly saturated</a:t>
             </a:r>
           </a:p>
           <a:p>
@@ -18187,12 +19131,20 @@
               <a:buChar char="•"/>
             </a:pPr>
             <a:r>
-              <a:rPr lang="en-US" sz="1600" dirty="0">
+              <a:rPr lang="en-US" sz="1400" dirty="0">
                 <a:solidFill>
                   <a:srgbClr val="FFFFFF"/>
                 </a:solidFill>
               </a:rPr>
-              <a:t>Focus on developing Fantasy, Adventure, and Animation movies as these return the highest profit</a:t>
+              <a:t>Focus on developing Fantasy, Adventure, and Animation movies as these return the </a:t>
+            </a:r>
+            <a:r>
+              <a:rPr lang="en-US" sz="1400" b="1" dirty="0">
+                <a:solidFill>
+                  <a:srgbClr val="FFFFFF"/>
+                </a:solidFill>
+              </a:rPr>
+              <a:t>highest profit</a:t>
             </a:r>
           </a:p>
           <a:p>
@@ -18225,7 +19177,7 @@
               <a:buChar char="•"/>
             </a:pPr>
             <a:r>
-              <a:rPr lang="en-US" sz="1600" dirty="0">
+              <a:rPr lang="en-US" sz="1400" dirty="0">
                 <a:solidFill>
                   <a:srgbClr val="FFFFFF"/>
                 </a:solidFill>
@@ -18263,7 +19215,7 @@
               <a:buChar char="•"/>
             </a:pPr>
             <a:r>
-              <a:rPr lang="en-US" sz="1600" dirty="0">
+              <a:rPr lang="en-US" sz="1400" dirty="0">
                 <a:solidFill>
                   <a:srgbClr val="FFFFFF"/>
                 </a:solidFill>

--- a/Final Presentation.pptx
+++ b/Final Presentation.pptx
@@ -9,8 +9,8 @@
     <p:sldId id="268" r:id="rId3"/>
     <p:sldId id="257" r:id="rId4"/>
     <p:sldId id="258" r:id="rId5"/>
-    <p:sldId id="263" r:id="rId6"/>
-    <p:sldId id="264" r:id="rId7"/>
+    <p:sldId id="264" r:id="rId6"/>
+    <p:sldId id="263" r:id="rId7"/>
     <p:sldId id="265" r:id="rId8"/>
     <p:sldId id="266" r:id="rId9"/>
     <p:sldId id="267" r:id="rId10"/>
@@ -15911,650 +15911,6 @@
                   <a:schemeClr val="tx2"/>
                 </a:solidFill>
               </a:rPr>
-              <a:t>Drama, Comedy, and Thrillers are oversaturated</a:t>
-            </a:r>
-            <a:endParaRPr lang="en-US" sz="2800" dirty="0">
-              <a:solidFill>
-                <a:schemeClr val="tx2"/>
-              </a:solidFill>
-            </a:endParaRPr>
-          </a:p>
-        </p:txBody>
-      </p:sp>
-      <p:sp>
-        <p:nvSpPr>
-          <p:cNvPr id="22" name="Freeform 5">
-            <a:extLst>
-              <a:ext uri="{FF2B5EF4-FFF2-40B4-BE49-F238E27FC236}">
-                <a16:creationId xmlns:a16="http://schemas.microsoft.com/office/drawing/2014/main" id="{2D529E20-662F-4915-ACD7-970C026FDB7F}"/>
-              </a:ext>
-              <a:ext uri="{C183D7F6-B498-43B3-948B-1728B52AA6E4}">
-                <adec:decorative xmlns:adec="http://schemas.microsoft.com/office/drawing/2017/decorative" val="1"/>
-              </a:ext>
-            </a:extLst>
-          </p:cNvPr>
-          <p:cNvSpPr>
-            <a:spLocks noGrp="1" noRot="1" noChangeAspect="1" noMove="1" noResize="1" noEditPoints="1" noAdjustHandles="1" noChangeArrowheads="1" noChangeShapeType="1" noTextEdit="1"/>
-          </p:cNvSpPr>
-          <p:nvPr>
-            <p:extLst>
-              <p:ext uri="{386F3935-93C4-4BCD-93E2-E3B085C9AB24}">
-                <p16:designElem xmlns:p16="http://schemas.microsoft.com/office/powerpoint/2015/main" val="1"/>
-              </p:ext>
-            </p:extLst>
-          </p:nvPr>
-        </p:nvSpPr>
-        <p:spPr bwMode="gray">
-          <a:xfrm rot="5677511" flipH="1">
-            <a:off x="3545327" y="1903328"/>
-            <a:ext cx="3299407" cy="440924"/>
-          </a:xfrm>
-          <a:custGeom>
-            <a:avLst/>
-            <a:gdLst/>
-            <a:ahLst/>
-            <a:cxnLst/>
-            <a:rect l="l" t="t" r="r" b="b"/>
-            <a:pathLst>
-              <a:path w="10000" h="5291">
-                <a:moveTo>
-                  <a:pt x="85" y="2532"/>
-                </a:moveTo>
-                <a:cubicBezTo>
-                  <a:pt x="1736" y="3911"/>
-                  <a:pt x="7524" y="5298"/>
-                  <a:pt x="9958" y="5291"/>
-                </a:cubicBezTo>
-                <a:cubicBezTo>
-                  <a:pt x="9989" y="1958"/>
-                  <a:pt x="9969" y="3333"/>
-                  <a:pt x="10000" y="0"/>
-                </a:cubicBezTo>
-                <a:lnTo>
-                  <a:pt x="10000" y="0"/>
-                </a:lnTo>
-                <a:lnTo>
-                  <a:pt x="9667" y="204"/>
-                </a:lnTo>
-                <a:lnTo>
-                  <a:pt x="9334" y="400"/>
-                </a:lnTo>
-                <a:lnTo>
-                  <a:pt x="9001" y="590"/>
-                </a:lnTo>
-                <a:lnTo>
-                  <a:pt x="8667" y="753"/>
-                </a:lnTo>
-                <a:lnTo>
-                  <a:pt x="8333" y="917"/>
-                </a:lnTo>
-                <a:lnTo>
-                  <a:pt x="7999" y="1071"/>
-                </a:lnTo>
-                <a:lnTo>
-                  <a:pt x="7669" y="1202"/>
-                </a:lnTo>
-                <a:lnTo>
-                  <a:pt x="7333" y="1325"/>
-                </a:lnTo>
-                <a:lnTo>
-                  <a:pt x="7000" y="1440"/>
-                </a:lnTo>
-                <a:lnTo>
-                  <a:pt x="6673" y="1538"/>
-                </a:lnTo>
-                <a:lnTo>
-                  <a:pt x="6340" y="1636"/>
-                </a:lnTo>
-                <a:lnTo>
-                  <a:pt x="6013" y="1719"/>
-                </a:lnTo>
-                <a:lnTo>
-                  <a:pt x="5686" y="1784"/>
-                </a:lnTo>
-                <a:lnTo>
-                  <a:pt x="5359" y="1850"/>
-                </a:lnTo>
-                <a:lnTo>
-                  <a:pt x="5036" y="1906"/>
-                </a:lnTo>
-                <a:lnTo>
-                  <a:pt x="4717" y="1948"/>
-                </a:lnTo>
-                <a:lnTo>
-                  <a:pt x="4396" y="1980"/>
-                </a:lnTo>
-                <a:lnTo>
-                  <a:pt x="4079" y="2013"/>
-                </a:lnTo>
-                <a:lnTo>
-                  <a:pt x="3766" y="2029"/>
-                </a:lnTo>
-                <a:lnTo>
-                  <a:pt x="3454" y="2046"/>
-                </a:lnTo>
-                <a:lnTo>
-                  <a:pt x="3145" y="2053"/>
-                </a:lnTo>
-                <a:lnTo>
-                  <a:pt x="2839" y="2046"/>
-                </a:lnTo>
-                <a:lnTo>
-                  <a:pt x="2537" y="2046"/>
-                </a:lnTo>
-                <a:lnTo>
-                  <a:pt x="2238" y="2029"/>
-                </a:lnTo>
-                <a:lnTo>
-                  <a:pt x="1943" y="2004"/>
-                </a:lnTo>
-                <a:lnTo>
-                  <a:pt x="1653" y="1980"/>
-                </a:lnTo>
-                <a:lnTo>
-                  <a:pt x="1368" y="1955"/>
-                </a:lnTo>
-                <a:lnTo>
-                  <a:pt x="1085" y="1915"/>
-                </a:lnTo>
-                <a:lnTo>
-                  <a:pt x="806" y="1873"/>
-                </a:lnTo>
-                <a:lnTo>
-                  <a:pt x="533" y="1833"/>
-                </a:lnTo>
-                <a:lnTo>
-                  <a:pt x="0" y="1726"/>
-                </a:lnTo>
-                <a:cubicBezTo>
-                  <a:pt x="28" y="1995"/>
-                  <a:pt x="57" y="2263"/>
-                  <a:pt x="85" y="2532"/>
-                </a:cubicBezTo>
-                <a:close/>
-              </a:path>
-            </a:pathLst>
-          </a:custGeom>
-          <a:solidFill>
-            <a:schemeClr val="bg1">
-              <a:alpha val="20000"/>
-            </a:schemeClr>
-          </a:solidFill>
-          <a:ln>
-            <a:noFill/>
-          </a:ln>
-        </p:spPr>
-      </p:sp>
-      <p:pic>
-        <p:nvPicPr>
-          <p:cNvPr id="6" name="Picture 5">
-            <a:extLst>
-              <a:ext uri="{FF2B5EF4-FFF2-40B4-BE49-F238E27FC236}">
-                <a16:creationId xmlns:a16="http://schemas.microsoft.com/office/drawing/2014/main" id="{EAC5C594-2C35-F944-9C9C-E3C60ADDB3FD}"/>
-              </a:ext>
-            </a:extLst>
-          </p:cNvPr>
-          <p:cNvPicPr>
-            <a:picLocks noChangeAspect="1"/>
-          </p:cNvPicPr>
-          <p:nvPr/>
-        </p:nvPicPr>
-        <p:blipFill>
-          <a:blip r:embed="rId3"/>
-          <a:stretch>
-            <a:fillRect/>
-          </a:stretch>
-        </p:blipFill>
-        <p:spPr>
-          <a:xfrm>
-            <a:off x="471464" y="1838342"/>
-            <a:ext cx="11249071" cy="3181316"/>
-          </a:xfrm>
-          <a:prstGeom prst="rect">
-            <a:avLst/>
-          </a:prstGeom>
-        </p:spPr>
-      </p:pic>
-    </p:spTree>
-    <p:extLst>
-      <p:ext uri="{BB962C8B-B14F-4D97-AF65-F5344CB8AC3E}">
-        <p14:creationId xmlns:p14="http://schemas.microsoft.com/office/powerpoint/2010/main" val="3522113483"/>
-      </p:ext>
-    </p:extLst>
-  </p:cSld>
-  <p:clrMapOvr>
-    <a:masterClrMapping/>
-  </p:clrMapOvr>
-</p:sld>
-</file>
-
-<file path=ppt/slides/slide6.xml><?xml version="1.0" encoding="utf-8"?>
-<p:sld xmlns:a="http://schemas.openxmlformats.org/drawingml/2006/main" xmlns:r="http://schemas.openxmlformats.org/officeDocument/2006/relationships" xmlns:p="http://schemas.openxmlformats.org/presentationml/2006/main">
-  <p:cSld>
-    <p:bg>
-      <p:bgPr>
-        <a:solidFill>
-          <a:schemeClr val="bg1"/>
-        </a:solidFill>
-        <a:effectLst/>
-      </p:bgPr>
-    </p:bg>
-    <p:spTree>
-      <p:nvGrpSpPr>
-        <p:cNvPr id="1" name=""/>
-        <p:cNvGrpSpPr/>
-        <p:nvPr/>
-      </p:nvGrpSpPr>
-      <p:grpSpPr>
-        <a:xfrm>
-          <a:off x="0" y="0"/>
-          <a:ext cx="0" cy="0"/>
-          <a:chOff x="0" y="0"/>
-          <a:chExt cx="0" cy="0"/>
-        </a:xfrm>
-      </p:grpSpPr>
-      <p:grpSp>
-        <p:nvGrpSpPr>
-          <p:cNvPr id="12" name="Group 11">
-            <a:extLst>
-              <a:ext uri="{FF2B5EF4-FFF2-40B4-BE49-F238E27FC236}">
-                <a16:creationId xmlns:a16="http://schemas.microsoft.com/office/drawing/2014/main" id="{6503EB0F-2257-4A3E-A73B-E1DE769B459F}"/>
-              </a:ext>
-              <a:ext uri="{C183D7F6-B498-43B3-948B-1728B52AA6E4}">
-                <adec:decorative xmlns:adec="http://schemas.microsoft.com/office/drawing/2017/decorative" val="1"/>
-              </a:ext>
-            </a:extLst>
-          </p:cNvPr>
-          <p:cNvGrpSpPr>
-            <a:grpSpLocks noGrp="1" noUngrp="1" noRot="1" noChangeAspect="1" noMove="1" noResize="1"/>
-          </p:cNvGrpSpPr>
-          <p:nvPr>
-            <p:extLst>
-              <p:ext uri="{386F3935-93C4-4BCD-93E2-E3B085C9AB24}">
-                <p16:designElem xmlns:p16="http://schemas.microsoft.com/office/powerpoint/2015/main" val="1"/>
-              </p:ext>
-            </p:extLst>
-          </p:nvPr>
-        </p:nvGrpSpPr>
-        <p:grpSpPr>
-          <a:xfrm>
-            <a:off x="0" y="0"/>
-            <a:ext cx="12192000" cy="6858000"/>
-            <a:chOff x="0" y="0"/>
-            <a:chExt cx="12192000" cy="6858000"/>
-          </a:xfrm>
-        </p:grpSpPr>
-        <p:sp>
-          <p:nvSpPr>
-            <p:cNvPr id="13" name="Rectangle 12">
-              <a:extLst>
-                <a:ext uri="{FF2B5EF4-FFF2-40B4-BE49-F238E27FC236}">
-                  <a16:creationId xmlns:a16="http://schemas.microsoft.com/office/drawing/2014/main" id="{77012B2A-0D78-433A-8C68-8889D3DCDDAF}"/>
-                </a:ext>
-                <a:ext uri="{C183D7F6-B498-43B3-948B-1728B52AA6E4}">
-                  <adec:decorative xmlns:adec="http://schemas.microsoft.com/office/drawing/2017/decorative" val="1"/>
-                </a:ext>
-              </a:extLst>
-            </p:cNvPr>
-            <p:cNvSpPr/>
-            <p:nvPr>
-              <p:extLst>
-                <p:ext uri="{386F3935-93C4-4BCD-93E2-E3B085C9AB24}">
-                  <p16:designElem xmlns:p16="http://schemas.microsoft.com/office/powerpoint/2015/main" val="1"/>
-                </p:ext>
-              </p:extLst>
-            </p:nvPr>
-          </p:nvSpPr>
-          <p:spPr>
-            <a:xfrm>
-              <a:off x="0" y="0"/>
-              <a:ext cx="12192000" cy="6858000"/>
-            </a:xfrm>
-            <a:prstGeom prst="rect">
-              <a:avLst/>
-            </a:prstGeom>
-            <a:blipFill>
-              <a:blip r:embed="rId2">
-                <a:duotone>
-                  <a:schemeClr val="dk2">
-                    <a:shade val="69000"/>
-                    <a:hueMod val="91000"/>
-                    <a:satMod val="164000"/>
-                    <a:lumMod val="74000"/>
-                  </a:schemeClr>
-                  <a:schemeClr val="dk2">
-                    <a:hueMod val="124000"/>
-                    <a:satMod val="140000"/>
-                    <a:lumMod val="142000"/>
-                  </a:schemeClr>
-                </a:duotone>
-              </a:blip>
-              <a:stretch>
-                <a:fillRect/>
-              </a:stretch>
-            </a:blipFill>
-            <a:ln>
-              <a:noFill/>
-            </a:ln>
-          </p:spPr>
-          <p:style>
-            <a:lnRef idx="2">
-              <a:schemeClr val="accent1">
-                <a:shade val="50000"/>
-              </a:schemeClr>
-            </a:lnRef>
-            <a:fillRef idx="1">
-              <a:schemeClr val="accent1"/>
-            </a:fillRef>
-            <a:effectRef idx="0">
-              <a:schemeClr val="accent1"/>
-            </a:effectRef>
-            <a:fontRef idx="minor">
-              <a:schemeClr val="lt1"/>
-            </a:fontRef>
-          </p:style>
-        </p:sp>
-        <p:sp>
-          <p:nvSpPr>
-            <p:cNvPr id="14" name="Freeform 5">
-              <a:extLst>
-                <a:ext uri="{FF2B5EF4-FFF2-40B4-BE49-F238E27FC236}">
-                  <a16:creationId xmlns:a16="http://schemas.microsoft.com/office/drawing/2014/main" id="{119D0202-ED3F-47CC-90E9-4E963BCDAB91}"/>
-                </a:ext>
-                <a:ext uri="{C183D7F6-B498-43B3-948B-1728B52AA6E4}">
-                  <adec:decorative xmlns:adec="http://schemas.microsoft.com/office/drawing/2017/decorative" val="1"/>
-                </a:ext>
-              </a:extLst>
-            </p:cNvPr>
-            <p:cNvSpPr>
-              <a:spLocks noEditPoints="1"/>
-            </p:cNvSpPr>
-            <p:nvPr>
-              <p:extLst>
-                <p:ext uri="{386F3935-93C4-4BCD-93E2-E3B085C9AB24}">
-                  <p16:designElem xmlns:p16="http://schemas.microsoft.com/office/powerpoint/2015/main" val="1"/>
-                </p:ext>
-              </p:extLst>
-            </p:nvPr>
-          </p:nvSpPr>
-          <p:spPr bwMode="gray">
-            <a:xfrm>
-              <a:off x="0" y="1587"/>
-              <a:ext cx="12192000" cy="6856413"/>
-            </a:xfrm>
-            <a:custGeom>
-              <a:avLst/>
-              <a:gdLst/>
-              <a:ahLst/>
-              <a:cxnLst/>
-              <a:rect l="0" t="0" r="r" b="b"/>
-              <a:pathLst>
-                <a:path w="15356" h="8638">
-                  <a:moveTo>
-                    <a:pt x="0" y="0"/>
-                  </a:moveTo>
-                  <a:lnTo>
-                    <a:pt x="0" y="8638"/>
-                  </a:lnTo>
-                  <a:lnTo>
-                    <a:pt x="15356" y="8638"/>
-                  </a:lnTo>
-                  <a:lnTo>
-                    <a:pt x="15356" y="0"/>
-                  </a:lnTo>
-                  <a:lnTo>
-                    <a:pt x="0" y="0"/>
-                  </a:lnTo>
-                  <a:close/>
-                  <a:moveTo>
-                    <a:pt x="14748" y="8038"/>
-                  </a:moveTo>
-                  <a:lnTo>
-                    <a:pt x="600" y="8038"/>
-                  </a:lnTo>
-                  <a:lnTo>
-                    <a:pt x="600" y="592"/>
-                  </a:lnTo>
-                  <a:lnTo>
-                    <a:pt x="14748" y="592"/>
-                  </a:lnTo>
-                  <a:lnTo>
-                    <a:pt x="14748" y="8038"/>
-                  </a:lnTo>
-                  <a:close/>
-                </a:path>
-              </a:pathLst>
-            </a:custGeom>
-            <a:solidFill>
-              <a:schemeClr val="bg1"/>
-            </a:solidFill>
-            <a:ln>
-              <a:noFill/>
-            </a:ln>
-          </p:spPr>
-        </p:sp>
-      </p:grpSp>
-      <p:sp>
-        <p:nvSpPr>
-          <p:cNvPr id="16" name="Rectangle 15">
-            <a:extLst>
-              <a:ext uri="{FF2B5EF4-FFF2-40B4-BE49-F238E27FC236}">
-                <a16:creationId xmlns:a16="http://schemas.microsoft.com/office/drawing/2014/main" id="{670D6F2B-93AF-47D6-9378-5E54BE0AC69F}"/>
-              </a:ext>
-              <a:ext uri="{C183D7F6-B498-43B3-948B-1728B52AA6E4}">
-                <adec:decorative xmlns:adec="http://schemas.microsoft.com/office/drawing/2017/decorative" val="1"/>
-              </a:ext>
-            </a:extLst>
-          </p:cNvPr>
-          <p:cNvSpPr>
-            <a:spLocks noGrp="1" noRot="1" noChangeAspect="1" noMove="1" noResize="1" noEditPoints="1" noAdjustHandles="1" noChangeArrowheads="1" noChangeShapeType="1" noTextEdit="1"/>
-          </p:cNvSpPr>
-          <p:nvPr>
-            <p:extLst>
-              <p:ext uri="{386F3935-93C4-4BCD-93E2-E3B085C9AB24}">
-                <p16:designElem xmlns:p16="http://schemas.microsoft.com/office/powerpoint/2015/main" val="1"/>
-              </p:ext>
-            </p:extLst>
-          </p:nvPr>
-        </p:nvSpPr>
-        <p:spPr>
-          <a:xfrm>
-            <a:off x="10437812" y="0"/>
-            <a:ext cx="685800" cy="1143000"/>
-          </a:xfrm>
-          <a:prstGeom prst="rect">
-            <a:avLst/>
-          </a:prstGeom>
-          <a:solidFill>
-            <a:schemeClr val="accent1"/>
-          </a:solidFill>
-          <a:ln>
-            <a:noFill/>
-          </a:ln>
-        </p:spPr>
-        <p:style>
-          <a:lnRef idx="1">
-            <a:schemeClr val="accent1"/>
-          </a:lnRef>
-          <a:fillRef idx="3">
-            <a:schemeClr val="accent1"/>
-          </a:fillRef>
-          <a:effectRef idx="2">
-            <a:schemeClr val="accent1"/>
-          </a:effectRef>
-          <a:fontRef idx="minor">
-            <a:schemeClr val="lt1"/>
-          </a:fontRef>
-        </p:style>
-      </p:sp>
-      <p:sp useBgFill="1">
-        <p:nvSpPr>
-          <p:cNvPr id="18" name="Rectangle 17">
-            <a:extLst>
-              <a:ext uri="{FF2B5EF4-FFF2-40B4-BE49-F238E27FC236}">
-                <a16:creationId xmlns:a16="http://schemas.microsoft.com/office/drawing/2014/main" id="{56981798-4550-46DA-9172-4846E2FB66EC}"/>
-              </a:ext>
-              <a:ext uri="{C183D7F6-B498-43B3-948B-1728B52AA6E4}">
-                <adec:decorative xmlns:adec="http://schemas.microsoft.com/office/drawing/2017/decorative" val="1"/>
-              </a:ext>
-            </a:extLst>
-          </p:cNvPr>
-          <p:cNvSpPr>
-            <a:spLocks noGrp="1" noRot="1" noChangeAspect="1" noMove="1" noResize="1" noEditPoints="1" noAdjustHandles="1" noChangeArrowheads="1" noChangeShapeType="1" noTextEdit="1"/>
-          </p:cNvSpPr>
-          <p:nvPr>
-            <p:extLst>
-              <p:ext uri="{386F3935-93C4-4BCD-93E2-E3B085C9AB24}">
-                <p16:designElem xmlns:p16="http://schemas.microsoft.com/office/powerpoint/2015/main" val="1"/>
-              </p:ext>
-            </p:extLst>
-          </p:nvPr>
-        </p:nvSpPr>
-        <p:spPr>
-          <a:xfrm>
-            <a:off x="0" y="0"/>
-            <a:ext cx="12192000" cy="6858000"/>
-          </a:xfrm>
-          <a:prstGeom prst="rect">
-            <a:avLst/>
-          </a:prstGeom>
-          <a:ln>
-            <a:noFill/>
-          </a:ln>
-        </p:spPr>
-        <p:style>
-          <a:lnRef idx="2">
-            <a:schemeClr val="accent1">
-              <a:shade val="50000"/>
-            </a:schemeClr>
-          </a:lnRef>
-          <a:fillRef idx="1">
-            <a:schemeClr val="accent1"/>
-          </a:fillRef>
-          <a:effectRef idx="0">
-            <a:schemeClr val="accent1"/>
-          </a:effectRef>
-          <a:fontRef idx="minor">
-            <a:schemeClr val="lt1"/>
-          </a:fontRef>
-        </p:style>
-        <p:txBody>
-          <a:bodyPr rtlCol="0" anchor="ctr"/>
-          <a:lstStyle/>
-          <a:p>
-            <a:pPr algn="ctr"/>
-            <a:endParaRPr lang="en-US"/>
-          </a:p>
-        </p:txBody>
-      </p:sp>
-      <p:sp>
-        <p:nvSpPr>
-          <p:cNvPr id="20" name="Rectangle 19">
-            <a:extLst>
-              <a:ext uri="{FF2B5EF4-FFF2-40B4-BE49-F238E27FC236}">
-                <a16:creationId xmlns:a16="http://schemas.microsoft.com/office/drawing/2014/main" id="{D82EB7D3-3AD8-4ED1-9E1A-2906E14635E3}"/>
-              </a:ext>
-              <a:ext uri="{C183D7F6-B498-43B3-948B-1728B52AA6E4}">
-                <adec:decorative xmlns:adec="http://schemas.microsoft.com/office/drawing/2017/decorative" val="1"/>
-              </a:ext>
-            </a:extLst>
-          </p:cNvPr>
-          <p:cNvSpPr>
-            <a:spLocks noGrp="1" noRot="1" noChangeAspect="1" noMove="1" noResize="1" noEditPoints="1" noAdjustHandles="1" noChangeArrowheads="1" noChangeShapeType="1" noTextEdit="1"/>
-          </p:cNvSpPr>
-          <p:nvPr>
-            <p:extLst>
-              <p:ext uri="{386F3935-93C4-4BCD-93E2-E3B085C9AB24}">
-                <p16:designElem xmlns:p16="http://schemas.microsoft.com/office/powerpoint/2015/main" val="1"/>
-              </p:ext>
-            </p:extLst>
-          </p:nvPr>
-        </p:nvSpPr>
-        <p:spPr bwMode="gray">
-          <a:xfrm flipH="1">
-            <a:off x="423335" y="404829"/>
-            <a:ext cx="4478865" cy="6053670"/>
-          </a:xfrm>
-          <a:prstGeom prst="rect">
-            <a:avLst/>
-          </a:prstGeom>
-          <a:solidFill>
-            <a:schemeClr val="bg1"/>
-          </a:solidFill>
-          <a:ln>
-            <a:noFill/>
-          </a:ln>
-          <a:effectLst/>
-        </p:spPr>
-        <p:style>
-          <a:lnRef idx="1">
-            <a:schemeClr val="accent1"/>
-          </a:lnRef>
-          <a:fillRef idx="3">
-            <a:schemeClr val="accent1"/>
-          </a:fillRef>
-          <a:effectRef idx="2">
-            <a:schemeClr val="accent1"/>
-          </a:effectRef>
-          <a:fontRef idx="minor">
-            <a:schemeClr val="lt1"/>
-          </a:fontRef>
-        </p:style>
-      </p:sp>
-      <p:sp>
-        <p:nvSpPr>
-          <p:cNvPr id="2" name="Title 1">
-            <a:extLst>
-              <a:ext uri="{FF2B5EF4-FFF2-40B4-BE49-F238E27FC236}">
-                <a16:creationId xmlns:a16="http://schemas.microsoft.com/office/drawing/2014/main" id="{44A0DB49-2F6B-364C-BADC-EC2E473B582C}"/>
-              </a:ext>
-            </a:extLst>
-          </p:cNvPr>
-          <p:cNvSpPr>
-            <a:spLocks noGrp="1"/>
-          </p:cNvSpPr>
-          <p:nvPr>
-            <p:ph type="title"/>
-          </p:nvPr>
-        </p:nvSpPr>
-        <p:spPr>
-          <a:xfrm>
-            <a:off x="378460" y="310051"/>
-            <a:ext cx="10522903" cy="1040088"/>
-          </a:xfrm>
-        </p:spPr>
-        <p:txBody>
-          <a:bodyPr vert="horz" lIns="91440" tIns="45720" rIns="91440" bIns="45720" rtlCol="0" anchor="t">
-            <a:normAutofit/>
-          </a:bodyPr>
-          <a:lstStyle/>
-          <a:p>
-            <a:pPr>
-              <a:lnSpc>
-                <a:spcPct val="90000"/>
-              </a:lnSpc>
-            </a:pPr>
-            <a:r>
-              <a:rPr lang="en-US" sz="3400" dirty="0">
-                <a:solidFill>
-                  <a:schemeClr val="tx2"/>
-                </a:solidFill>
-              </a:rPr>
-              <a:t>Genres:</a:t>
-            </a:r>
-            <a:br>
-              <a:rPr lang="en-US" sz="3400" dirty="0">
-                <a:solidFill>
-                  <a:schemeClr val="tx2"/>
-                </a:solidFill>
-              </a:rPr>
-            </a:br>
-            <a:r>
-              <a:rPr lang="en-US" sz="2000" dirty="0">
-                <a:solidFill>
-                  <a:schemeClr val="tx2"/>
-                </a:solidFill>
-              </a:rPr>
               <a:t>Fantasy, Animation, and Adventure return the highest profit</a:t>
             </a:r>
             <a:endParaRPr lang="en-US" sz="2800" dirty="0">
@@ -16882,6 +16238,650 @@
       </p:par>
     </p:tnLst>
   </p:timing>
+</p:sld>
+</file>
+
+<file path=ppt/slides/slide6.xml><?xml version="1.0" encoding="utf-8"?>
+<p:sld xmlns:a="http://schemas.openxmlformats.org/drawingml/2006/main" xmlns:r="http://schemas.openxmlformats.org/officeDocument/2006/relationships" xmlns:p="http://schemas.openxmlformats.org/presentationml/2006/main">
+  <p:cSld>
+    <p:bg>
+      <p:bgPr>
+        <a:solidFill>
+          <a:schemeClr val="bg1"/>
+        </a:solidFill>
+        <a:effectLst/>
+      </p:bgPr>
+    </p:bg>
+    <p:spTree>
+      <p:nvGrpSpPr>
+        <p:cNvPr id="1" name=""/>
+        <p:cNvGrpSpPr/>
+        <p:nvPr/>
+      </p:nvGrpSpPr>
+      <p:grpSpPr>
+        <a:xfrm>
+          <a:off x="0" y="0"/>
+          <a:ext cx="0" cy="0"/>
+          <a:chOff x="0" y="0"/>
+          <a:chExt cx="0" cy="0"/>
+        </a:xfrm>
+      </p:grpSpPr>
+      <p:grpSp>
+        <p:nvGrpSpPr>
+          <p:cNvPr id="12" name="Group 11">
+            <a:extLst>
+              <a:ext uri="{FF2B5EF4-FFF2-40B4-BE49-F238E27FC236}">
+                <a16:creationId xmlns:a16="http://schemas.microsoft.com/office/drawing/2014/main" id="{6503EB0F-2257-4A3E-A73B-E1DE769B459F}"/>
+              </a:ext>
+              <a:ext uri="{C183D7F6-B498-43B3-948B-1728B52AA6E4}">
+                <adec:decorative xmlns:adec="http://schemas.microsoft.com/office/drawing/2017/decorative" val="1"/>
+              </a:ext>
+            </a:extLst>
+          </p:cNvPr>
+          <p:cNvGrpSpPr>
+            <a:grpSpLocks noGrp="1" noUngrp="1" noRot="1" noChangeAspect="1" noMove="1" noResize="1"/>
+          </p:cNvGrpSpPr>
+          <p:nvPr>
+            <p:extLst>
+              <p:ext uri="{386F3935-93C4-4BCD-93E2-E3B085C9AB24}">
+                <p16:designElem xmlns:p16="http://schemas.microsoft.com/office/powerpoint/2015/main" val="1"/>
+              </p:ext>
+            </p:extLst>
+          </p:nvPr>
+        </p:nvGrpSpPr>
+        <p:grpSpPr>
+          <a:xfrm>
+            <a:off x="0" y="0"/>
+            <a:ext cx="12192000" cy="6858000"/>
+            <a:chOff x="0" y="0"/>
+            <a:chExt cx="12192000" cy="6858000"/>
+          </a:xfrm>
+        </p:grpSpPr>
+        <p:sp>
+          <p:nvSpPr>
+            <p:cNvPr id="13" name="Rectangle 12">
+              <a:extLst>
+                <a:ext uri="{FF2B5EF4-FFF2-40B4-BE49-F238E27FC236}">
+                  <a16:creationId xmlns:a16="http://schemas.microsoft.com/office/drawing/2014/main" id="{77012B2A-0D78-433A-8C68-8889D3DCDDAF}"/>
+                </a:ext>
+                <a:ext uri="{C183D7F6-B498-43B3-948B-1728B52AA6E4}">
+                  <adec:decorative xmlns:adec="http://schemas.microsoft.com/office/drawing/2017/decorative" val="1"/>
+                </a:ext>
+              </a:extLst>
+            </p:cNvPr>
+            <p:cNvSpPr/>
+            <p:nvPr>
+              <p:extLst>
+                <p:ext uri="{386F3935-93C4-4BCD-93E2-E3B085C9AB24}">
+                  <p16:designElem xmlns:p16="http://schemas.microsoft.com/office/powerpoint/2015/main" val="1"/>
+                </p:ext>
+              </p:extLst>
+            </p:nvPr>
+          </p:nvSpPr>
+          <p:spPr>
+            <a:xfrm>
+              <a:off x="0" y="0"/>
+              <a:ext cx="12192000" cy="6858000"/>
+            </a:xfrm>
+            <a:prstGeom prst="rect">
+              <a:avLst/>
+            </a:prstGeom>
+            <a:blipFill>
+              <a:blip r:embed="rId2">
+                <a:duotone>
+                  <a:schemeClr val="dk2">
+                    <a:shade val="69000"/>
+                    <a:hueMod val="91000"/>
+                    <a:satMod val="164000"/>
+                    <a:lumMod val="74000"/>
+                  </a:schemeClr>
+                  <a:schemeClr val="dk2">
+                    <a:hueMod val="124000"/>
+                    <a:satMod val="140000"/>
+                    <a:lumMod val="142000"/>
+                  </a:schemeClr>
+                </a:duotone>
+              </a:blip>
+              <a:stretch>
+                <a:fillRect/>
+              </a:stretch>
+            </a:blipFill>
+            <a:ln>
+              <a:noFill/>
+            </a:ln>
+          </p:spPr>
+          <p:style>
+            <a:lnRef idx="2">
+              <a:schemeClr val="accent1">
+                <a:shade val="50000"/>
+              </a:schemeClr>
+            </a:lnRef>
+            <a:fillRef idx="1">
+              <a:schemeClr val="accent1"/>
+            </a:fillRef>
+            <a:effectRef idx="0">
+              <a:schemeClr val="accent1"/>
+            </a:effectRef>
+            <a:fontRef idx="minor">
+              <a:schemeClr val="lt1"/>
+            </a:fontRef>
+          </p:style>
+        </p:sp>
+        <p:sp>
+          <p:nvSpPr>
+            <p:cNvPr id="14" name="Freeform 5">
+              <a:extLst>
+                <a:ext uri="{FF2B5EF4-FFF2-40B4-BE49-F238E27FC236}">
+                  <a16:creationId xmlns:a16="http://schemas.microsoft.com/office/drawing/2014/main" id="{119D0202-ED3F-47CC-90E9-4E963BCDAB91}"/>
+                </a:ext>
+                <a:ext uri="{C183D7F6-B498-43B3-948B-1728B52AA6E4}">
+                  <adec:decorative xmlns:adec="http://schemas.microsoft.com/office/drawing/2017/decorative" val="1"/>
+                </a:ext>
+              </a:extLst>
+            </p:cNvPr>
+            <p:cNvSpPr>
+              <a:spLocks noEditPoints="1"/>
+            </p:cNvSpPr>
+            <p:nvPr>
+              <p:extLst>
+                <p:ext uri="{386F3935-93C4-4BCD-93E2-E3B085C9AB24}">
+                  <p16:designElem xmlns:p16="http://schemas.microsoft.com/office/powerpoint/2015/main" val="1"/>
+                </p:ext>
+              </p:extLst>
+            </p:nvPr>
+          </p:nvSpPr>
+          <p:spPr bwMode="gray">
+            <a:xfrm>
+              <a:off x="0" y="1587"/>
+              <a:ext cx="12192000" cy="6856413"/>
+            </a:xfrm>
+            <a:custGeom>
+              <a:avLst/>
+              <a:gdLst/>
+              <a:ahLst/>
+              <a:cxnLst/>
+              <a:rect l="0" t="0" r="r" b="b"/>
+              <a:pathLst>
+                <a:path w="15356" h="8638">
+                  <a:moveTo>
+                    <a:pt x="0" y="0"/>
+                  </a:moveTo>
+                  <a:lnTo>
+                    <a:pt x="0" y="8638"/>
+                  </a:lnTo>
+                  <a:lnTo>
+                    <a:pt x="15356" y="8638"/>
+                  </a:lnTo>
+                  <a:lnTo>
+                    <a:pt x="15356" y="0"/>
+                  </a:lnTo>
+                  <a:lnTo>
+                    <a:pt x="0" y="0"/>
+                  </a:lnTo>
+                  <a:close/>
+                  <a:moveTo>
+                    <a:pt x="14748" y="8038"/>
+                  </a:moveTo>
+                  <a:lnTo>
+                    <a:pt x="600" y="8038"/>
+                  </a:lnTo>
+                  <a:lnTo>
+                    <a:pt x="600" y="592"/>
+                  </a:lnTo>
+                  <a:lnTo>
+                    <a:pt x="14748" y="592"/>
+                  </a:lnTo>
+                  <a:lnTo>
+                    <a:pt x="14748" y="8038"/>
+                  </a:lnTo>
+                  <a:close/>
+                </a:path>
+              </a:pathLst>
+            </a:custGeom>
+            <a:solidFill>
+              <a:schemeClr val="bg1"/>
+            </a:solidFill>
+            <a:ln>
+              <a:noFill/>
+            </a:ln>
+          </p:spPr>
+        </p:sp>
+      </p:grpSp>
+      <p:sp>
+        <p:nvSpPr>
+          <p:cNvPr id="16" name="Rectangle 15">
+            <a:extLst>
+              <a:ext uri="{FF2B5EF4-FFF2-40B4-BE49-F238E27FC236}">
+                <a16:creationId xmlns:a16="http://schemas.microsoft.com/office/drawing/2014/main" id="{670D6F2B-93AF-47D6-9378-5E54BE0AC69F}"/>
+              </a:ext>
+              <a:ext uri="{C183D7F6-B498-43B3-948B-1728B52AA6E4}">
+                <adec:decorative xmlns:adec="http://schemas.microsoft.com/office/drawing/2017/decorative" val="1"/>
+              </a:ext>
+            </a:extLst>
+          </p:cNvPr>
+          <p:cNvSpPr>
+            <a:spLocks noGrp="1" noRot="1" noChangeAspect="1" noMove="1" noResize="1" noEditPoints="1" noAdjustHandles="1" noChangeArrowheads="1" noChangeShapeType="1" noTextEdit="1"/>
+          </p:cNvSpPr>
+          <p:nvPr>
+            <p:extLst>
+              <p:ext uri="{386F3935-93C4-4BCD-93E2-E3B085C9AB24}">
+                <p16:designElem xmlns:p16="http://schemas.microsoft.com/office/powerpoint/2015/main" val="1"/>
+              </p:ext>
+            </p:extLst>
+          </p:nvPr>
+        </p:nvSpPr>
+        <p:spPr>
+          <a:xfrm>
+            <a:off x="10437812" y="0"/>
+            <a:ext cx="685800" cy="1143000"/>
+          </a:xfrm>
+          <a:prstGeom prst="rect">
+            <a:avLst/>
+          </a:prstGeom>
+          <a:solidFill>
+            <a:schemeClr val="accent1"/>
+          </a:solidFill>
+          <a:ln>
+            <a:noFill/>
+          </a:ln>
+        </p:spPr>
+        <p:style>
+          <a:lnRef idx="1">
+            <a:schemeClr val="accent1"/>
+          </a:lnRef>
+          <a:fillRef idx="3">
+            <a:schemeClr val="accent1"/>
+          </a:fillRef>
+          <a:effectRef idx="2">
+            <a:schemeClr val="accent1"/>
+          </a:effectRef>
+          <a:fontRef idx="minor">
+            <a:schemeClr val="lt1"/>
+          </a:fontRef>
+        </p:style>
+      </p:sp>
+      <p:sp useBgFill="1">
+        <p:nvSpPr>
+          <p:cNvPr id="18" name="Rectangle 17">
+            <a:extLst>
+              <a:ext uri="{FF2B5EF4-FFF2-40B4-BE49-F238E27FC236}">
+                <a16:creationId xmlns:a16="http://schemas.microsoft.com/office/drawing/2014/main" id="{56981798-4550-46DA-9172-4846E2FB66EC}"/>
+              </a:ext>
+              <a:ext uri="{C183D7F6-B498-43B3-948B-1728B52AA6E4}">
+                <adec:decorative xmlns:adec="http://schemas.microsoft.com/office/drawing/2017/decorative" val="1"/>
+              </a:ext>
+            </a:extLst>
+          </p:cNvPr>
+          <p:cNvSpPr>
+            <a:spLocks noGrp="1" noRot="1" noChangeAspect="1" noMove="1" noResize="1" noEditPoints="1" noAdjustHandles="1" noChangeArrowheads="1" noChangeShapeType="1" noTextEdit="1"/>
+          </p:cNvSpPr>
+          <p:nvPr>
+            <p:extLst>
+              <p:ext uri="{386F3935-93C4-4BCD-93E2-E3B085C9AB24}">
+                <p16:designElem xmlns:p16="http://schemas.microsoft.com/office/powerpoint/2015/main" val="1"/>
+              </p:ext>
+            </p:extLst>
+          </p:nvPr>
+        </p:nvSpPr>
+        <p:spPr>
+          <a:xfrm>
+            <a:off x="0" y="0"/>
+            <a:ext cx="12192000" cy="6858000"/>
+          </a:xfrm>
+          <a:prstGeom prst="rect">
+            <a:avLst/>
+          </a:prstGeom>
+          <a:ln>
+            <a:noFill/>
+          </a:ln>
+        </p:spPr>
+        <p:style>
+          <a:lnRef idx="2">
+            <a:schemeClr val="accent1">
+              <a:shade val="50000"/>
+            </a:schemeClr>
+          </a:lnRef>
+          <a:fillRef idx="1">
+            <a:schemeClr val="accent1"/>
+          </a:fillRef>
+          <a:effectRef idx="0">
+            <a:schemeClr val="accent1"/>
+          </a:effectRef>
+          <a:fontRef idx="minor">
+            <a:schemeClr val="lt1"/>
+          </a:fontRef>
+        </p:style>
+        <p:txBody>
+          <a:bodyPr rtlCol="0" anchor="ctr"/>
+          <a:lstStyle/>
+          <a:p>
+            <a:pPr algn="ctr"/>
+            <a:endParaRPr lang="en-US"/>
+          </a:p>
+        </p:txBody>
+      </p:sp>
+      <p:sp>
+        <p:nvSpPr>
+          <p:cNvPr id="20" name="Rectangle 19">
+            <a:extLst>
+              <a:ext uri="{FF2B5EF4-FFF2-40B4-BE49-F238E27FC236}">
+                <a16:creationId xmlns:a16="http://schemas.microsoft.com/office/drawing/2014/main" id="{D82EB7D3-3AD8-4ED1-9E1A-2906E14635E3}"/>
+              </a:ext>
+              <a:ext uri="{C183D7F6-B498-43B3-948B-1728B52AA6E4}">
+                <adec:decorative xmlns:adec="http://schemas.microsoft.com/office/drawing/2017/decorative" val="1"/>
+              </a:ext>
+            </a:extLst>
+          </p:cNvPr>
+          <p:cNvSpPr>
+            <a:spLocks noGrp="1" noRot="1" noChangeAspect="1" noMove="1" noResize="1" noEditPoints="1" noAdjustHandles="1" noChangeArrowheads="1" noChangeShapeType="1" noTextEdit="1"/>
+          </p:cNvSpPr>
+          <p:nvPr>
+            <p:extLst>
+              <p:ext uri="{386F3935-93C4-4BCD-93E2-E3B085C9AB24}">
+                <p16:designElem xmlns:p16="http://schemas.microsoft.com/office/powerpoint/2015/main" val="1"/>
+              </p:ext>
+            </p:extLst>
+          </p:nvPr>
+        </p:nvSpPr>
+        <p:spPr bwMode="gray">
+          <a:xfrm flipH="1">
+            <a:off x="423335" y="404829"/>
+            <a:ext cx="4478865" cy="6053670"/>
+          </a:xfrm>
+          <a:prstGeom prst="rect">
+            <a:avLst/>
+          </a:prstGeom>
+          <a:solidFill>
+            <a:schemeClr val="bg1"/>
+          </a:solidFill>
+          <a:ln>
+            <a:noFill/>
+          </a:ln>
+          <a:effectLst/>
+        </p:spPr>
+        <p:style>
+          <a:lnRef idx="1">
+            <a:schemeClr val="accent1"/>
+          </a:lnRef>
+          <a:fillRef idx="3">
+            <a:schemeClr val="accent1"/>
+          </a:fillRef>
+          <a:effectRef idx="2">
+            <a:schemeClr val="accent1"/>
+          </a:effectRef>
+          <a:fontRef idx="minor">
+            <a:schemeClr val="lt1"/>
+          </a:fontRef>
+        </p:style>
+      </p:sp>
+      <p:sp>
+        <p:nvSpPr>
+          <p:cNvPr id="2" name="Title 1">
+            <a:extLst>
+              <a:ext uri="{FF2B5EF4-FFF2-40B4-BE49-F238E27FC236}">
+                <a16:creationId xmlns:a16="http://schemas.microsoft.com/office/drawing/2014/main" id="{44A0DB49-2F6B-364C-BADC-EC2E473B582C}"/>
+              </a:ext>
+            </a:extLst>
+          </p:cNvPr>
+          <p:cNvSpPr>
+            <a:spLocks noGrp="1"/>
+          </p:cNvSpPr>
+          <p:nvPr>
+            <p:ph type="title"/>
+          </p:nvPr>
+        </p:nvSpPr>
+        <p:spPr>
+          <a:xfrm>
+            <a:off x="378460" y="310051"/>
+            <a:ext cx="10522903" cy="1040088"/>
+          </a:xfrm>
+        </p:spPr>
+        <p:txBody>
+          <a:bodyPr vert="horz" lIns="91440" tIns="45720" rIns="91440" bIns="45720" rtlCol="0" anchor="t">
+            <a:normAutofit/>
+          </a:bodyPr>
+          <a:lstStyle/>
+          <a:p>
+            <a:pPr>
+              <a:lnSpc>
+                <a:spcPct val="90000"/>
+              </a:lnSpc>
+            </a:pPr>
+            <a:r>
+              <a:rPr lang="en-US" sz="3400" dirty="0">
+                <a:solidFill>
+                  <a:schemeClr val="tx2"/>
+                </a:solidFill>
+              </a:rPr>
+              <a:t>Genres:</a:t>
+            </a:r>
+            <a:br>
+              <a:rPr lang="en-US" sz="3400" dirty="0">
+                <a:solidFill>
+                  <a:schemeClr val="tx2"/>
+                </a:solidFill>
+              </a:rPr>
+            </a:br>
+            <a:r>
+              <a:rPr lang="en-US" sz="2000" dirty="0">
+                <a:solidFill>
+                  <a:schemeClr val="tx2"/>
+                </a:solidFill>
+              </a:rPr>
+              <a:t>Drama, Comedy, and Thrillers are oversaturated</a:t>
+            </a:r>
+            <a:endParaRPr lang="en-US" sz="2800" dirty="0">
+              <a:solidFill>
+                <a:schemeClr val="tx2"/>
+              </a:solidFill>
+            </a:endParaRPr>
+          </a:p>
+        </p:txBody>
+      </p:sp>
+      <p:sp>
+        <p:nvSpPr>
+          <p:cNvPr id="22" name="Freeform 5">
+            <a:extLst>
+              <a:ext uri="{FF2B5EF4-FFF2-40B4-BE49-F238E27FC236}">
+                <a16:creationId xmlns:a16="http://schemas.microsoft.com/office/drawing/2014/main" id="{2D529E20-662F-4915-ACD7-970C026FDB7F}"/>
+              </a:ext>
+              <a:ext uri="{C183D7F6-B498-43B3-948B-1728B52AA6E4}">
+                <adec:decorative xmlns:adec="http://schemas.microsoft.com/office/drawing/2017/decorative" val="1"/>
+              </a:ext>
+            </a:extLst>
+          </p:cNvPr>
+          <p:cNvSpPr>
+            <a:spLocks noGrp="1" noRot="1" noChangeAspect="1" noMove="1" noResize="1" noEditPoints="1" noAdjustHandles="1" noChangeArrowheads="1" noChangeShapeType="1" noTextEdit="1"/>
+          </p:cNvSpPr>
+          <p:nvPr>
+            <p:extLst>
+              <p:ext uri="{386F3935-93C4-4BCD-93E2-E3B085C9AB24}">
+                <p16:designElem xmlns:p16="http://schemas.microsoft.com/office/powerpoint/2015/main" val="1"/>
+              </p:ext>
+            </p:extLst>
+          </p:nvPr>
+        </p:nvSpPr>
+        <p:spPr bwMode="gray">
+          <a:xfrm rot="5677511" flipH="1">
+            <a:off x="3545327" y="1903328"/>
+            <a:ext cx="3299407" cy="440924"/>
+          </a:xfrm>
+          <a:custGeom>
+            <a:avLst/>
+            <a:gdLst/>
+            <a:ahLst/>
+            <a:cxnLst/>
+            <a:rect l="l" t="t" r="r" b="b"/>
+            <a:pathLst>
+              <a:path w="10000" h="5291">
+                <a:moveTo>
+                  <a:pt x="85" y="2532"/>
+                </a:moveTo>
+                <a:cubicBezTo>
+                  <a:pt x="1736" y="3911"/>
+                  <a:pt x="7524" y="5298"/>
+                  <a:pt x="9958" y="5291"/>
+                </a:cubicBezTo>
+                <a:cubicBezTo>
+                  <a:pt x="9989" y="1958"/>
+                  <a:pt x="9969" y="3333"/>
+                  <a:pt x="10000" y="0"/>
+                </a:cubicBezTo>
+                <a:lnTo>
+                  <a:pt x="10000" y="0"/>
+                </a:lnTo>
+                <a:lnTo>
+                  <a:pt x="9667" y="204"/>
+                </a:lnTo>
+                <a:lnTo>
+                  <a:pt x="9334" y="400"/>
+                </a:lnTo>
+                <a:lnTo>
+                  <a:pt x="9001" y="590"/>
+                </a:lnTo>
+                <a:lnTo>
+                  <a:pt x="8667" y="753"/>
+                </a:lnTo>
+                <a:lnTo>
+                  <a:pt x="8333" y="917"/>
+                </a:lnTo>
+                <a:lnTo>
+                  <a:pt x="7999" y="1071"/>
+                </a:lnTo>
+                <a:lnTo>
+                  <a:pt x="7669" y="1202"/>
+                </a:lnTo>
+                <a:lnTo>
+                  <a:pt x="7333" y="1325"/>
+                </a:lnTo>
+                <a:lnTo>
+                  <a:pt x="7000" y="1440"/>
+                </a:lnTo>
+                <a:lnTo>
+                  <a:pt x="6673" y="1538"/>
+                </a:lnTo>
+                <a:lnTo>
+                  <a:pt x="6340" y="1636"/>
+                </a:lnTo>
+                <a:lnTo>
+                  <a:pt x="6013" y="1719"/>
+                </a:lnTo>
+                <a:lnTo>
+                  <a:pt x="5686" y="1784"/>
+                </a:lnTo>
+                <a:lnTo>
+                  <a:pt x="5359" y="1850"/>
+                </a:lnTo>
+                <a:lnTo>
+                  <a:pt x="5036" y="1906"/>
+                </a:lnTo>
+                <a:lnTo>
+                  <a:pt x="4717" y="1948"/>
+                </a:lnTo>
+                <a:lnTo>
+                  <a:pt x="4396" y="1980"/>
+                </a:lnTo>
+                <a:lnTo>
+                  <a:pt x="4079" y="2013"/>
+                </a:lnTo>
+                <a:lnTo>
+                  <a:pt x="3766" y="2029"/>
+                </a:lnTo>
+                <a:lnTo>
+                  <a:pt x="3454" y="2046"/>
+                </a:lnTo>
+                <a:lnTo>
+                  <a:pt x="3145" y="2053"/>
+                </a:lnTo>
+                <a:lnTo>
+                  <a:pt x="2839" y="2046"/>
+                </a:lnTo>
+                <a:lnTo>
+                  <a:pt x="2537" y="2046"/>
+                </a:lnTo>
+                <a:lnTo>
+                  <a:pt x="2238" y="2029"/>
+                </a:lnTo>
+                <a:lnTo>
+                  <a:pt x="1943" y="2004"/>
+                </a:lnTo>
+                <a:lnTo>
+                  <a:pt x="1653" y="1980"/>
+                </a:lnTo>
+                <a:lnTo>
+                  <a:pt x="1368" y="1955"/>
+                </a:lnTo>
+                <a:lnTo>
+                  <a:pt x="1085" y="1915"/>
+                </a:lnTo>
+                <a:lnTo>
+                  <a:pt x="806" y="1873"/>
+                </a:lnTo>
+                <a:lnTo>
+                  <a:pt x="533" y="1833"/>
+                </a:lnTo>
+                <a:lnTo>
+                  <a:pt x="0" y="1726"/>
+                </a:lnTo>
+                <a:cubicBezTo>
+                  <a:pt x="28" y="1995"/>
+                  <a:pt x="57" y="2263"/>
+                  <a:pt x="85" y="2532"/>
+                </a:cubicBezTo>
+                <a:close/>
+              </a:path>
+            </a:pathLst>
+          </a:custGeom>
+          <a:solidFill>
+            <a:schemeClr val="bg1">
+              <a:alpha val="20000"/>
+            </a:schemeClr>
+          </a:solidFill>
+          <a:ln>
+            <a:noFill/>
+          </a:ln>
+        </p:spPr>
+      </p:sp>
+      <p:pic>
+        <p:nvPicPr>
+          <p:cNvPr id="4" name="Picture 3">
+            <a:extLst>
+              <a:ext uri="{FF2B5EF4-FFF2-40B4-BE49-F238E27FC236}">
+                <a16:creationId xmlns:a16="http://schemas.microsoft.com/office/drawing/2014/main" id="{FBC2371F-B454-6B4E-B001-6DF54C2A2BEB}"/>
+              </a:ext>
+            </a:extLst>
+          </p:cNvPr>
+          <p:cNvPicPr>
+            <a:picLocks noChangeAspect="1"/>
+          </p:cNvPicPr>
+          <p:nvPr/>
+        </p:nvPicPr>
+        <p:blipFill>
+          <a:blip r:embed="rId3"/>
+          <a:stretch>
+            <a:fillRect/>
+          </a:stretch>
+        </p:blipFill>
+        <p:spPr>
+          <a:xfrm>
+            <a:off x="423335" y="1875715"/>
+            <a:ext cx="11434762" cy="3217783"/>
+          </a:xfrm>
+          <a:prstGeom prst="rect">
+            <a:avLst/>
+          </a:prstGeom>
+        </p:spPr>
+      </p:pic>
+    </p:spTree>
+    <p:extLst>
+      <p:ext uri="{BB962C8B-B14F-4D97-AF65-F5344CB8AC3E}">
+        <p14:creationId xmlns:p14="http://schemas.microsoft.com/office/powerpoint/2010/main" val="3522113483"/>
+      </p:ext>
+    </p:extLst>
+  </p:cSld>
+  <p:clrMapOvr>
+    <a:masterClrMapping/>
+  </p:clrMapOvr>
 </p:sld>
 </file>
 
@@ -17518,10 +17518,10 @@
       </p:pic>
       <p:pic>
         <p:nvPicPr>
-          <p:cNvPr id="7" name="Picture 6">
+          <p:cNvPr id="4" name="Picture 3" descr="A screenshot of a cell phone&#10;&#10;Description automatically generated">
             <a:extLst>
               <a:ext uri="{FF2B5EF4-FFF2-40B4-BE49-F238E27FC236}">
-                <a16:creationId xmlns:a16="http://schemas.microsoft.com/office/drawing/2014/main" id="{DF2D468D-B375-F847-A625-A78D56393AD1}"/>
+                <a16:creationId xmlns:a16="http://schemas.microsoft.com/office/drawing/2014/main" id="{023F2F7D-0BE9-774F-A92B-29651522F9C1}"/>
               </a:ext>
             </a:extLst>
           </p:cNvPr>
@@ -17538,7 +17538,7 @@
         </p:blipFill>
         <p:spPr>
           <a:xfrm>
-            <a:off x="285750" y="1894982"/>
+            <a:off x="285751" y="1894982"/>
             <a:ext cx="11620500" cy="3604394"/>
           </a:xfrm>
           <a:prstGeom prst="rect">
@@ -17590,7 +17590,7 @@
                                           </p:stCondLst>
                                         </p:cTn>
                                         <p:tgtEl>
-                                          <p:spTgt spid="7"/>
+                                          <p:spTgt spid="4"/>
                                         </p:tgtEl>
                                         <p:attrNameLst>
                                           <p:attrName>style.visibility</p:attrName>
@@ -17604,7 +17604,7 @@
                                       <p:cBhvr>
                                         <p:cTn id="7" dur="500"/>
                                         <p:tgtEl>
-                                          <p:spTgt spid="7"/>
+                                          <p:spTgt spid="4"/>
                                         </p:tgtEl>
                                       </p:cBhvr>
                                     </p:animEffect>

--- a/Final Presentation.pptx
+++ b/Final Presentation.pptx
@@ -14,6 +14,7 @@
     <p:sldId id="265" r:id="rId8"/>
     <p:sldId id="266" r:id="rId9"/>
     <p:sldId id="267" r:id="rId10"/>
+    <p:sldId id="269" r:id="rId11"/>
   </p:sldIdLst>
   <p:sldSz cx="12192000" cy="6858000"/>
   <p:notesSz cx="6858000" cy="9144000"/>
@@ -13266,6 +13267,848 @@
 </p:sld>
 </file>
 
+<file path=ppt/slides/slide10.xml><?xml version="1.0" encoding="utf-8"?>
+<p:sld xmlns:a="http://schemas.openxmlformats.org/drawingml/2006/main" xmlns:r="http://schemas.openxmlformats.org/officeDocument/2006/relationships" xmlns:p="http://schemas.openxmlformats.org/presentationml/2006/main">
+  <p:cSld>
+    <p:bg>
+      <p:bgPr>
+        <a:solidFill>
+          <a:schemeClr val="bg1"/>
+        </a:solidFill>
+        <a:effectLst/>
+      </p:bgPr>
+    </p:bg>
+    <p:spTree>
+      <p:nvGrpSpPr>
+        <p:cNvPr id="1" name=""/>
+        <p:cNvGrpSpPr/>
+        <p:nvPr/>
+      </p:nvGrpSpPr>
+      <p:grpSpPr>
+        <a:xfrm>
+          <a:off x="0" y="0"/>
+          <a:ext cx="0" cy="0"/>
+          <a:chOff x="0" y="0"/>
+          <a:chExt cx="0" cy="0"/>
+        </a:xfrm>
+      </p:grpSpPr>
+      <p:grpSp>
+        <p:nvGrpSpPr>
+          <p:cNvPr id="41" name="Group 40">
+            <a:extLst>
+              <a:ext uri="{FF2B5EF4-FFF2-40B4-BE49-F238E27FC236}">
+                <a16:creationId xmlns:a16="http://schemas.microsoft.com/office/drawing/2014/main" id="{93E10248-AF0E-477D-B4D2-47C02CE4E353}"/>
+              </a:ext>
+              <a:ext uri="{C183D7F6-B498-43B3-948B-1728B52AA6E4}">
+                <adec:decorative xmlns:adec="http://schemas.microsoft.com/office/drawing/2017/decorative" val="1"/>
+              </a:ext>
+            </a:extLst>
+          </p:cNvPr>
+          <p:cNvGrpSpPr>
+            <a:grpSpLocks noGrp="1" noUngrp="1" noRot="1" noChangeAspect="1" noMove="1" noResize="1"/>
+          </p:cNvGrpSpPr>
+          <p:nvPr>
+            <p:extLst>
+              <p:ext uri="{386F3935-93C4-4BCD-93E2-E3B085C9AB24}">
+                <p16:designElem xmlns:p16="http://schemas.microsoft.com/office/powerpoint/2015/main" val="1"/>
+              </p:ext>
+            </p:extLst>
+          </p:nvPr>
+        </p:nvGrpSpPr>
+        <p:grpSpPr>
+          <a:xfrm>
+            <a:off x="0" y="0"/>
+            <a:ext cx="12192000" cy="6858000"/>
+            <a:chOff x="0" y="0"/>
+            <a:chExt cx="12192000" cy="6858000"/>
+          </a:xfrm>
+        </p:grpSpPr>
+        <p:sp>
+          <p:nvSpPr>
+            <p:cNvPr id="42" name="Rectangle 41">
+              <a:extLst>
+                <a:ext uri="{FF2B5EF4-FFF2-40B4-BE49-F238E27FC236}">
+                  <a16:creationId xmlns:a16="http://schemas.microsoft.com/office/drawing/2014/main" id="{533010C2-2DA5-460F-A40C-5317F567A03E}"/>
+                </a:ext>
+                <a:ext uri="{C183D7F6-B498-43B3-948B-1728B52AA6E4}">
+                  <adec:decorative xmlns:adec="http://schemas.microsoft.com/office/drawing/2017/decorative" val="1"/>
+                </a:ext>
+              </a:extLst>
+            </p:cNvPr>
+            <p:cNvSpPr/>
+            <p:nvPr>
+              <p:extLst>
+                <p:ext uri="{386F3935-93C4-4BCD-93E2-E3B085C9AB24}">
+                  <p16:designElem xmlns:p16="http://schemas.microsoft.com/office/powerpoint/2015/main" val="1"/>
+                </p:ext>
+              </p:extLst>
+            </p:nvPr>
+          </p:nvSpPr>
+          <p:spPr>
+            <a:xfrm>
+              <a:off x="0" y="0"/>
+              <a:ext cx="12192000" cy="6858000"/>
+            </a:xfrm>
+            <a:prstGeom prst="rect">
+              <a:avLst/>
+            </a:prstGeom>
+            <a:blipFill>
+              <a:blip r:embed="rId2">
+                <a:duotone>
+                  <a:schemeClr val="dk2">
+                    <a:shade val="69000"/>
+                    <a:hueMod val="91000"/>
+                    <a:satMod val="164000"/>
+                    <a:lumMod val="74000"/>
+                  </a:schemeClr>
+                  <a:schemeClr val="dk2">
+                    <a:hueMod val="124000"/>
+                    <a:satMod val="140000"/>
+                    <a:lumMod val="142000"/>
+                  </a:schemeClr>
+                </a:duotone>
+              </a:blip>
+              <a:stretch>
+                <a:fillRect/>
+              </a:stretch>
+            </a:blipFill>
+            <a:ln>
+              <a:noFill/>
+            </a:ln>
+          </p:spPr>
+          <p:style>
+            <a:lnRef idx="2">
+              <a:schemeClr val="accent1">
+                <a:shade val="50000"/>
+              </a:schemeClr>
+            </a:lnRef>
+            <a:fillRef idx="1">
+              <a:schemeClr val="accent1"/>
+            </a:fillRef>
+            <a:effectRef idx="0">
+              <a:schemeClr val="accent1"/>
+            </a:effectRef>
+            <a:fontRef idx="minor">
+              <a:schemeClr val="lt1"/>
+            </a:fontRef>
+          </p:style>
+        </p:sp>
+        <p:sp>
+          <p:nvSpPr>
+            <p:cNvPr id="43" name="Freeform 5">
+              <a:extLst>
+                <a:ext uri="{FF2B5EF4-FFF2-40B4-BE49-F238E27FC236}">
+                  <a16:creationId xmlns:a16="http://schemas.microsoft.com/office/drawing/2014/main" id="{17CB0634-F963-4EC9-A6F6-8EA46BD1F103}"/>
+                </a:ext>
+                <a:ext uri="{C183D7F6-B498-43B3-948B-1728B52AA6E4}">
+                  <adec:decorative xmlns:adec="http://schemas.microsoft.com/office/drawing/2017/decorative" val="1"/>
+                </a:ext>
+              </a:extLst>
+            </p:cNvPr>
+            <p:cNvSpPr>
+              <a:spLocks noEditPoints="1"/>
+            </p:cNvSpPr>
+            <p:nvPr>
+              <p:extLst>
+                <p:ext uri="{386F3935-93C4-4BCD-93E2-E3B085C9AB24}">
+                  <p16:designElem xmlns:p16="http://schemas.microsoft.com/office/powerpoint/2015/main" val="1"/>
+                </p:ext>
+              </p:extLst>
+            </p:nvPr>
+          </p:nvSpPr>
+          <p:spPr bwMode="gray">
+            <a:xfrm>
+              <a:off x="0" y="1587"/>
+              <a:ext cx="12192000" cy="6856413"/>
+            </a:xfrm>
+            <a:custGeom>
+              <a:avLst/>
+              <a:gdLst/>
+              <a:ahLst/>
+              <a:cxnLst/>
+              <a:rect l="0" t="0" r="r" b="b"/>
+              <a:pathLst>
+                <a:path w="15356" h="8638">
+                  <a:moveTo>
+                    <a:pt x="0" y="0"/>
+                  </a:moveTo>
+                  <a:lnTo>
+                    <a:pt x="0" y="8638"/>
+                  </a:lnTo>
+                  <a:lnTo>
+                    <a:pt x="15356" y="8638"/>
+                  </a:lnTo>
+                  <a:lnTo>
+                    <a:pt x="15356" y="0"/>
+                  </a:lnTo>
+                  <a:lnTo>
+                    <a:pt x="0" y="0"/>
+                  </a:lnTo>
+                  <a:close/>
+                  <a:moveTo>
+                    <a:pt x="14748" y="8038"/>
+                  </a:moveTo>
+                  <a:lnTo>
+                    <a:pt x="600" y="8038"/>
+                  </a:lnTo>
+                  <a:lnTo>
+                    <a:pt x="600" y="592"/>
+                  </a:lnTo>
+                  <a:lnTo>
+                    <a:pt x="14748" y="592"/>
+                  </a:lnTo>
+                  <a:lnTo>
+                    <a:pt x="14748" y="8038"/>
+                  </a:lnTo>
+                  <a:close/>
+                </a:path>
+              </a:pathLst>
+            </a:custGeom>
+            <a:solidFill>
+              <a:schemeClr val="bg1"/>
+            </a:solidFill>
+            <a:ln>
+              <a:noFill/>
+            </a:ln>
+          </p:spPr>
+        </p:sp>
+      </p:grpSp>
+      <p:sp>
+        <p:nvSpPr>
+          <p:cNvPr id="45" name="Rectangle 44">
+            <a:extLst>
+              <a:ext uri="{FF2B5EF4-FFF2-40B4-BE49-F238E27FC236}">
+                <a16:creationId xmlns:a16="http://schemas.microsoft.com/office/drawing/2014/main" id="{73C0A186-7444-4460-9C37-532E7671E99E}"/>
+              </a:ext>
+              <a:ext uri="{C183D7F6-B498-43B3-948B-1728B52AA6E4}">
+                <adec:decorative xmlns:adec="http://schemas.microsoft.com/office/drawing/2017/decorative" val="1"/>
+              </a:ext>
+            </a:extLst>
+          </p:cNvPr>
+          <p:cNvSpPr>
+            <a:spLocks noGrp="1" noRot="1" noChangeAspect="1" noMove="1" noResize="1" noEditPoints="1" noAdjustHandles="1" noChangeArrowheads="1" noChangeShapeType="1" noTextEdit="1"/>
+          </p:cNvSpPr>
+          <p:nvPr>
+            <p:extLst>
+              <p:ext uri="{386F3935-93C4-4BCD-93E2-E3B085C9AB24}">
+                <p16:designElem xmlns:p16="http://schemas.microsoft.com/office/powerpoint/2015/main" val="1"/>
+              </p:ext>
+            </p:extLst>
+          </p:nvPr>
+        </p:nvSpPr>
+        <p:spPr>
+          <a:xfrm>
+            <a:off x="10437812" y="0"/>
+            <a:ext cx="685800" cy="1143000"/>
+          </a:xfrm>
+          <a:prstGeom prst="rect">
+            <a:avLst/>
+          </a:prstGeom>
+          <a:solidFill>
+            <a:schemeClr val="accent1"/>
+          </a:solidFill>
+          <a:ln>
+            <a:noFill/>
+          </a:ln>
+        </p:spPr>
+        <p:style>
+          <a:lnRef idx="1">
+            <a:schemeClr val="accent1"/>
+          </a:lnRef>
+          <a:fillRef idx="3">
+            <a:schemeClr val="accent1"/>
+          </a:fillRef>
+          <a:effectRef idx="2">
+            <a:schemeClr val="accent1"/>
+          </a:effectRef>
+          <a:fontRef idx="minor">
+            <a:schemeClr val="lt1"/>
+          </a:fontRef>
+        </p:style>
+      </p:sp>
+      <p:sp>
+        <p:nvSpPr>
+          <p:cNvPr id="47" name="Rectangle 46">
+            <a:extLst>
+              <a:ext uri="{FF2B5EF4-FFF2-40B4-BE49-F238E27FC236}">
+                <a16:creationId xmlns:a16="http://schemas.microsoft.com/office/drawing/2014/main" id="{B219AE65-9B94-44EA-BEF3-EF4BFA169C81}"/>
+              </a:ext>
+              <a:ext uri="{C183D7F6-B498-43B3-948B-1728B52AA6E4}">
+                <adec:decorative xmlns:adec="http://schemas.microsoft.com/office/drawing/2017/decorative" val="1"/>
+              </a:ext>
+            </a:extLst>
+          </p:cNvPr>
+          <p:cNvSpPr>
+            <a:spLocks noGrp="1" noRot="1" noChangeAspect="1" noMove="1" noResize="1" noEditPoints="1" noAdjustHandles="1" noChangeArrowheads="1" noChangeShapeType="1" noTextEdit="1"/>
+          </p:cNvSpPr>
+          <p:nvPr>
+            <p:extLst>
+              <p:ext uri="{386F3935-93C4-4BCD-93E2-E3B085C9AB24}">
+                <p16:designElem xmlns:p16="http://schemas.microsoft.com/office/powerpoint/2015/main" val="1"/>
+              </p:ext>
+            </p:extLst>
+          </p:nvPr>
+        </p:nvSpPr>
+        <p:spPr>
+          <a:xfrm>
+            <a:off x="0" y="0"/>
+            <a:ext cx="12192000" cy="6858000"/>
+          </a:xfrm>
+          <a:prstGeom prst="rect">
+            <a:avLst/>
+          </a:prstGeom>
+          <a:solidFill>
+            <a:schemeClr val="accent1"/>
+          </a:solidFill>
+          <a:ln>
+            <a:noFill/>
+          </a:ln>
+        </p:spPr>
+        <p:style>
+          <a:lnRef idx="2">
+            <a:schemeClr val="accent1">
+              <a:shade val="50000"/>
+            </a:schemeClr>
+          </a:lnRef>
+          <a:fillRef idx="1">
+            <a:schemeClr val="accent1"/>
+          </a:fillRef>
+          <a:effectRef idx="0">
+            <a:schemeClr val="accent1"/>
+          </a:effectRef>
+          <a:fontRef idx="minor">
+            <a:schemeClr val="lt1"/>
+          </a:fontRef>
+        </p:style>
+        <p:txBody>
+          <a:bodyPr rtlCol="0" anchor="ctr"/>
+          <a:lstStyle/>
+          <a:p>
+            <a:pPr algn="ctr"/>
+            <a:endParaRPr lang="en-US"/>
+          </a:p>
+        </p:txBody>
+      </p:sp>
+      <p:sp>
+        <p:nvSpPr>
+          <p:cNvPr id="49" name="Rectangle 48">
+            <a:extLst>
+              <a:ext uri="{FF2B5EF4-FFF2-40B4-BE49-F238E27FC236}">
+                <a16:creationId xmlns:a16="http://schemas.microsoft.com/office/drawing/2014/main" id="{F0C81A57-9CD5-461B-8FFE-4A8CB6CFBE01}"/>
+              </a:ext>
+              <a:ext uri="{C183D7F6-B498-43B3-948B-1728B52AA6E4}">
+                <adec:decorative xmlns:adec="http://schemas.microsoft.com/office/drawing/2017/decorative" val="1"/>
+              </a:ext>
+            </a:extLst>
+          </p:cNvPr>
+          <p:cNvSpPr>
+            <a:spLocks noGrp="1" noRot="1" noChangeAspect="1" noMove="1" noResize="1" noEditPoints="1" noAdjustHandles="1" noChangeArrowheads="1" noChangeShapeType="1" noTextEdit="1"/>
+          </p:cNvSpPr>
+          <p:nvPr>
+            <p:extLst>
+              <p:ext uri="{386F3935-93C4-4BCD-93E2-E3B085C9AB24}">
+                <p16:designElem xmlns:p16="http://schemas.microsoft.com/office/powerpoint/2015/main" val="1"/>
+              </p:ext>
+            </p:extLst>
+          </p:nvPr>
+        </p:nvSpPr>
+        <p:spPr>
+          <a:xfrm>
+            <a:off x="11017539" y="467397"/>
+            <a:ext cx="695829" cy="5919116"/>
+          </a:xfrm>
+          <a:prstGeom prst="rect">
+            <a:avLst/>
+          </a:prstGeom>
+          <a:solidFill>
+            <a:srgbClr val="0D0D0D"/>
+          </a:solidFill>
+          <a:ln>
+            <a:noFill/>
+          </a:ln>
+          <a:effectLst/>
+        </p:spPr>
+        <p:style>
+          <a:lnRef idx="1">
+            <a:schemeClr val="accent1"/>
+          </a:lnRef>
+          <a:fillRef idx="3">
+            <a:schemeClr val="accent1"/>
+          </a:fillRef>
+          <a:effectRef idx="2">
+            <a:schemeClr val="accent1"/>
+          </a:effectRef>
+          <a:fontRef idx="minor">
+            <a:schemeClr val="lt1"/>
+          </a:fontRef>
+        </p:style>
+      </p:sp>
+      <p:grpSp>
+        <p:nvGrpSpPr>
+          <p:cNvPr id="51" name="Group 50">
+            <a:extLst>
+              <a:ext uri="{FF2B5EF4-FFF2-40B4-BE49-F238E27FC236}">
+                <a16:creationId xmlns:a16="http://schemas.microsoft.com/office/drawing/2014/main" id="{3086C462-37F4-494D-8292-CCB95221CC1A}"/>
+              </a:ext>
+              <a:ext uri="{C183D7F6-B498-43B3-948B-1728B52AA6E4}">
+                <adec:decorative xmlns:adec="http://schemas.microsoft.com/office/drawing/2017/decorative" val="1"/>
+              </a:ext>
+            </a:extLst>
+          </p:cNvPr>
+          <p:cNvGrpSpPr>
+            <a:grpSpLocks noGrp="1" noUngrp="1" noRot="1" noChangeAspect="1" noMove="1" noResize="1"/>
+          </p:cNvGrpSpPr>
+          <p:nvPr>
+            <p:extLst>
+              <p:ext uri="{386F3935-93C4-4BCD-93E2-E3B085C9AB24}">
+                <p16:designElem xmlns:p16="http://schemas.microsoft.com/office/powerpoint/2015/main" val="1"/>
+              </p:ext>
+            </p:extLst>
+          </p:nvPr>
+        </p:nvGrpSpPr>
+        <p:grpSpPr>
+          <a:xfrm>
+            <a:off x="0" y="0"/>
+            <a:ext cx="12192000" cy="6858000"/>
+            <a:chOff x="0" y="0"/>
+            <a:chExt cx="12192000" cy="6858000"/>
+          </a:xfrm>
+          <a:solidFill>
+            <a:srgbClr val="FFFFFF"/>
+          </a:solidFill>
+        </p:grpSpPr>
+        <p:sp>
+          <p:nvSpPr>
+            <p:cNvPr id="52" name="Rectangle 51">
+              <a:extLst>
+                <a:ext uri="{FF2B5EF4-FFF2-40B4-BE49-F238E27FC236}">
+                  <a16:creationId xmlns:a16="http://schemas.microsoft.com/office/drawing/2014/main" id="{2C7D2D64-353F-4802-AA48-A70CE6020B93}"/>
+                </a:ext>
+                <a:ext uri="{C183D7F6-B498-43B3-948B-1728B52AA6E4}">
+                  <adec:decorative xmlns:adec="http://schemas.microsoft.com/office/drawing/2017/decorative" val="1"/>
+                </a:ext>
+              </a:extLst>
+            </p:cNvPr>
+            <p:cNvSpPr/>
+            <p:nvPr>
+              <p:extLst>
+                <p:ext uri="{386F3935-93C4-4BCD-93E2-E3B085C9AB24}">
+                  <p16:designElem xmlns:p16="http://schemas.microsoft.com/office/powerpoint/2015/main" val="1"/>
+                </p:ext>
+              </p:extLst>
+            </p:nvPr>
+          </p:nvSpPr>
+          <p:spPr>
+            <a:xfrm>
+              <a:off x="0" y="0"/>
+              <a:ext cx="12192000" cy="6858000"/>
+            </a:xfrm>
+            <a:prstGeom prst="rect">
+              <a:avLst/>
+            </a:prstGeom>
+            <a:noFill/>
+            <a:ln>
+              <a:noFill/>
+            </a:ln>
+          </p:spPr>
+          <p:style>
+            <a:lnRef idx="2">
+              <a:schemeClr val="accent1">
+                <a:shade val="50000"/>
+              </a:schemeClr>
+            </a:lnRef>
+            <a:fillRef idx="1">
+              <a:schemeClr val="accent1"/>
+            </a:fillRef>
+            <a:effectRef idx="0">
+              <a:schemeClr val="accent1"/>
+            </a:effectRef>
+            <a:fontRef idx="minor">
+              <a:schemeClr val="lt1"/>
+            </a:fontRef>
+          </p:style>
+        </p:sp>
+        <p:sp>
+          <p:nvSpPr>
+            <p:cNvPr id="53" name="Freeform 5">
+              <a:extLst>
+                <a:ext uri="{FF2B5EF4-FFF2-40B4-BE49-F238E27FC236}">
+                  <a16:creationId xmlns:a16="http://schemas.microsoft.com/office/drawing/2014/main" id="{30A6328F-CAA3-4052-BF4C-14BD47706E65}"/>
+                </a:ext>
+                <a:ext uri="{C183D7F6-B498-43B3-948B-1728B52AA6E4}">
+                  <adec:decorative xmlns:adec="http://schemas.microsoft.com/office/drawing/2017/decorative" val="1"/>
+                </a:ext>
+              </a:extLst>
+            </p:cNvPr>
+            <p:cNvSpPr>
+              <a:spLocks noEditPoints="1"/>
+            </p:cNvSpPr>
+            <p:nvPr>
+              <p:extLst>
+                <p:ext uri="{386F3935-93C4-4BCD-93E2-E3B085C9AB24}">
+                  <p16:designElem xmlns:p16="http://schemas.microsoft.com/office/powerpoint/2015/main" val="1"/>
+                </p:ext>
+              </p:extLst>
+            </p:nvPr>
+          </p:nvSpPr>
+          <p:spPr bwMode="gray">
+            <a:xfrm>
+              <a:off x="0" y="1587"/>
+              <a:ext cx="12192000" cy="6856413"/>
+            </a:xfrm>
+            <a:custGeom>
+              <a:avLst/>
+              <a:gdLst/>
+              <a:ahLst/>
+              <a:cxnLst/>
+              <a:rect l="0" t="0" r="r" b="b"/>
+              <a:pathLst>
+                <a:path w="15356" h="8638">
+                  <a:moveTo>
+                    <a:pt x="0" y="0"/>
+                  </a:moveTo>
+                  <a:lnTo>
+                    <a:pt x="0" y="8638"/>
+                  </a:lnTo>
+                  <a:lnTo>
+                    <a:pt x="15356" y="8638"/>
+                  </a:lnTo>
+                  <a:lnTo>
+                    <a:pt x="15356" y="0"/>
+                  </a:lnTo>
+                  <a:lnTo>
+                    <a:pt x="0" y="0"/>
+                  </a:lnTo>
+                  <a:close/>
+                  <a:moveTo>
+                    <a:pt x="14748" y="8038"/>
+                  </a:moveTo>
+                  <a:lnTo>
+                    <a:pt x="600" y="8038"/>
+                  </a:lnTo>
+                  <a:lnTo>
+                    <a:pt x="600" y="592"/>
+                  </a:lnTo>
+                  <a:lnTo>
+                    <a:pt x="14748" y="592"/>
+                  </a:lnTo>
+                  <a:lnTo>
+                    <a:pt x="14748" y="8038"/>
+                  </a:lnTo>
+                  <a:close/>
+                </a:path>
+              </a:pathLst>
+            </a:custGeom>
+            <a:solidFill>
+              <a:srgbClr val="FFFFFF"/>
+            </a:solidFill>
+            <a:ln>
+              <a:noFill/>
+            </a:ln>
+          </p:spPr>
+        </p:sp>
+      </p:grpSp>
+      <p:sp>
+        <p:nvSpPr>
+          <p:cNvPr id="2" name="Title 1">
+            <a:extLst>
+              <a:ext uri="{FF2B5EF4-FFF2-40B4-BE49-F238E27FC236}">
+                <a16:creationId xmlns:a16="http://schemas.microsoft.com/office/drawing/2014/main" id="{44A0DB49-2F6B-364C-BADC-EC2E473B582C}"/>
+              </a:ext>
+            </a:extLst>
+          </p:cNvPr>
+          <p:cNvSpPr>
+            <a:spLocks noGrp="1"/>
+          </p:cNvSpPr>
+          <p:nvPr>
+            <p:ph type="title"/>
+          </p:nvPr>
+        </p:nvSpPr>
+        <p:spPr>
+          <a:xfrm>
+            <a:off x="806077" y="749307"/>
+            <a:ext cx="8825658" cy="636581"/>
+          </a:xfrm>
+        </p:spPr>
+        <p:txBody>
+          <a:bodyPr vert="horz" lIns="91440" tIns="45720" rIns="91440" bIns="45720" rtlCol="0" anchor="t">
+            <a:normAutofit/>
+          </a:bodyPr>
+          <a:lstStyle/>
+          <a:p>
+            <a:pPr>
+              <a:lnSpc>
+                <a:spcPct val="90000"/>
+              </a:lnSpc>
+            </a:pPr>
+            <a:r>
+              <a:rPr lang="en-US" sz="3200" dirty="0">
+                <a:solidFill>
+                  <a:srgbClr val="FFFFFF"/>
+                </a:solidFill>
+              </a:rPr>
+              <a:t>Further Analysis</a:t>
+            </a:r>
+          </a:p>
+        </p:txBody>
+      </p:sp>
+      <p:sp>
+        <p:nvSpPr>
+          <p:cNvPr id="30" name="Title 1">
+            <a:extLst>
+              <a:ext uri="{FF2B5EF4-FFF2-40B4-BE49-F238E27FC236}">
+                <a16:creationId xmlns:a16="http://schemas.microsoft.com/office/drawing/2014/main" id="{84E517F2-A3E5-1B41-90E2-7D2E8A53D115}"/>
+              </a:ext>
+            </a:extLst>
+          </p:cNvPr>
+          <p:cNvSpPr txBox="1">
+            <a:spLocks/>
+          </p:cNvSpPr>
+          <p:nvPr/>
+        </p:nvSpPr>
+        <p:spPr bwMode="gray">
+          <a:xfrm>
+            <a:off x="806076" y="1497027"/>
+            <a:ext cx="9938123" cy="4889486"/>
+          </a:xfrm>
+          <a:prstGeom prst="rect">
+            <a:avLst/>
+          </a:prstGeom>
+        </p:spPr>
+        <p:txBody>
+          <a:bodyPr vert="horz" lIns="91440" tIns="45720" rIns="91440" bIns="45720" rtlCol="0" anchor="t">
+            <a:normAutofit/>
+          </a:bodyPr>
+          <a:lstStyle>
+            <a:lvl1pPr algn="l" defTabSz="457200" rtl="0" eaLnBrk="1" latinLnBrk="0" hangingPunct="1">
+              <a:spcBef>
+                <a:spcPct val="0"/>
+              </a:spcBef>
+              <a:buNone/>
+              <a:defRPr sz="3600" b="0" i="0" kern="1200">
+                <a:solidFill>
+                  <a:schemeClr val="bg2"/>
+                </a:solidFill>
+                <a:latin typeface="+mj-lt"/>
+                <a:ea typeface="+mj-ea"/>
+                <a:cs typeface="+mj-cs"/>
+              </a:defRPr>
+            </a:lvl1pPr>
+            <a:lvl2pPr eaLnBrk="1" hangingPunct="1">
+              <a:defRPr>
+                <a:solidFill>
+                  <a:schemeClr val="tx2"/>
+                </a:solidFill>
+              </a:defRPr>
+            </a:lvl2pPr>
+            <a:lvl3pPr eaLnBrk="1" hangingPunct="1">
+              <a:defRPr>
+                <a:solidFill>
+                  <a:schemeClr val="tx2"/>
+                </a:solidFill>
+              </a:defRPr>
+            </a:lvl3pPr>
+            <a:lvl4pPr eaLnBrk="1" hangingPunct="1">
+              <a:defRPr>
+                <a:solidFill>
+                  <a:schemeClr val="tx2"/>
+                </a:solidFill>
+              </a:defRPr>
+            </a:lvl4pPr>
+            <a:lvl5pPr eaLnBrk="1" hangingPunct="1">
+              <a:defRPr>
+                <a:solidFill>
+                  <a:schemeClr val="tx2"/>
+                </a:solidFill>
+              </a:defRPr>
+            </a:lvl5pPr>
+            <a:lvl6pPr eaLnBrk="1" hangingPunct="1">
+              <a:defRPr>
+                <a:solidFill>
+                  <a:schemeClr val="tx2"/>
+                </a:solidFill>
+              </a:defRPr>
+            </a:lvl6pPr>
+            <a:lvl7pPr eaLnBrk="1" hangingPunct="1">
+              <a:defRPr>
+                <a:solidFill>
+                  <a:schemeClr val="tx2"/>
+                </a:solidFill>
+              </a:defRPr>
+            </a:lvl7pPr>
+            <a:lvl8pPr eaLnBrk="1" hangingPunct="1">
+              <a:defRPr>
+                <a:solidFill>
+                  <a:schemeClr val="tx2"/>
+                </a:solidFill>
+              </a:defRPr>
+            </a:lvl8pPr>
+            <a:lvl9pPr eaLnBrk="1" hangingPunct="1">
+              <a:defRPr>
+                <a:solidFill>
+                  <a:schemeClr val="tx2"/>
+                </a:solidFill>
+              </a:defRPr>
+            </a:lvl9pPr>
+          </a:lstStyle>
+          <a:p>
+            <a:pPr marL="342900" indent="-342900">
+              <a:lnSpc>
+                <a:spcPct val="90000"/>
+              </a:lnSpc>
+              <a:buFont typeface="+mj-lt"/>
+              <a:buAutoNum type="arabicPeriod"/>
+            </a:pPr>
+            <a:r>
+              <a:rPr lang="en-US" sz="1600" dirty="0">
+                <a:solidFill>
+                  <a:srgbClr val="FFFFFF"/>
+                </a:solidFill>
+              </a:rPr>
+              <a:t>Retrieve data from </a:t>
+            </a:r>
+            <a:r>
+              <a:rPr lang="en-US" sz="1600" b="1" dirty="0">
+                <a:solidFill>
+                  <a:srgbClr val="FFFFFF"/>
+                </a:solidFill>
+              </a:rPr>
+              <a:t>social media sources </a:t>
+            </a:r>
+            <a:r>
+              <a:rPr lang="en-US" sz="1600" dirty="0">
+                <a:solidFill>
+                  <a:srgbClr val="FFFFFF"/>
+                </a:solidFill>
+              </a:rPr>
+              <a:t>(Twitter, Reddit, Facebook, </a:t>
+            </a:r>
+            <a:r>
+              <a:rPr lang="en-US" sz="1600" dirty="0" err="1">
+                <a:solidFill>
+                  <a:srgbClr val="FFFFFF"/>
+                </a:solidFill>
+              </a:rPr>
+              <a:t>etc</a:t>
+            </a:r>
+            <a:r>
+              <a:rPr lang="en-US" sz="1600" dirty="0">
+                <a:solidFill>
+                  <a:srgbClr val="FFFFFF"/>
+                </a:solidFill>
+              </a:rPr>
+              <a:t>) in order to measure the effectiveness of social media marketing on movie success</a:t>
+            </a:r>
+          </a:p>
+          <a:p>
+            <a:pPr marL="342900" indent="-342900">
+              <a:lnSpc>
+                <a:spcPct val="90000"/>
+              </a:lnSpc>
+              <a:buFont typeface="+mj-lt"/>
+              <a:buAutoNum type="arabicPeriod"/>
+            </a:pPr>
+            <a:endParaRPr lang="en-US" sz="1600" dirty="0">
+              <a:solidFill>
+                <a:srgbClr val="FFFFFF"/>
+              </a:solidFill>
+            </a:endParaRPr>
+          </a:p>
+          <a:p>
+            <a:pPr marL="342900" indent="-342900">
+              <a:lnSpc>
+                <a:spcPct val="90000"/>
+              </a:lnSpc>
+              <a:buFont typeface="+mj-lt"/>
+              <a:buAutoNum type="arabicPeriod"/>
+            </a:pPr>
+            <a:r>
+              <a:rPr lang="en-US" sz="1600" dirty="0">
+                <a:solidFill>
+                  <a:srgbClr val="FFFFFF"/>
+                </a:solidFill>
+              </a:rPr>
+              <a:t>Retrieve data from </a:t>
+            </a:r>
+            <a:r>
+              <a:rPr lang="en-US" sz="1600" b="1" dirty="0">
+                <a:solidFill>
+                  <a:srgbClr val="FFFFFF"/>
+                </a:solidFill>
+              </a:rPr>
+              <a:t>online streaming </a:t>
+            </a:r>
+            <a:r>
+              <a:rPr lang="en-US" sz="1600" dirty="0">
+                <a:solidFill>
+                  <a:srgbClr val="FFFFFF"/>
+                </a:solidFill>
+              </a:rPr>
+              <a:t>services such as Netflix and Hulu in order to focus on further expansion to online markets</a:t>
+            </a:r>
+          </a:p>
+          <a:p>
+            <a:pPr marL="342900" indent="-342900">
+              <a:lnSpc>
+                <a:spcPct val="90000"/>
+              </a:lnSpc>
+              <a:buFont typeface="+mj-lt"/>
+              <a:buAutoNum type="arabicPeriod"/>
+            </a:pPr>
+            <a:endParaRPr lang="en-US" sz="1600" dirty="0">
+              <a:solidFill>
+                <a:srgbClr val="FFFFFF"/>
+              </a:solidFill>
+            </a:endParaRPr>
+          </a:p>
+          <a:p>
+            <a:pPr marL="342900" indent="-342900">
+              <a:lnSpc>
+                <a:spcPct val="90000"/>
+              </a:lnSpc>
+              <a:buFont typeface="+mj-lt"/>
+              <a:buAutoNum type="arabicPeriod"/>
+            </a:pPr>
+            <a:r>
+              <a:rPr lang="en-US" sz="1600" dirty="0">
+                <a:solidFill>
+                  <a:srgbClr val="FFFFFF"/>
+                </a:solidFill>
+              </a:rPr>
+              <a:t>Include </a:t>
+            </a:r>
+            <a:r>
+              <a:rPr lang="en-US" sz="1600" b="1" dirty="0">
+                <a:solidFill>
+                  <a:srgbClr val="FFFFFF"/>
+                </a:solidFill>
+              </a:rPr>
+              <a:t>Production Countries </a:t>
+            </a:r>
+            <a:r>
+              <a:rPr lang="en-US" sz="1600" dirty="0">
+                <a:solidFill>
+                  <a:srgbClr val="FFFFFF"/>
+                </a:solidFill>
+              </a:rPr>
+              <a:t>data (from TMDB) in our analysis in order to assist Microsoft in foreign market expansion</a:t>
+            </a:r>
+          </a:p>
+        </p:txBody>
+      </p:sp>
+    </p:spTree>
+    <p:extLst>
+      <p:ext uri="{BB962C8B-B14F-4D97-AF65-F5344CB8AC3E}">
+        <p14:creationId xmlns:p14="http://schemas.microsoft.com/office/powerpoint/2010/main" val="3134101298"/>
+      </p:ext>
+    </p:extLst>
+  </p:cSld>
+  <p:clrMapOvr>
+    <a:overrideClrMapping bg1="dk1" tx1="lt1" bg2="dk2" tx2="lt2" accent1="accent1" accent2="accent2" accent3="accent3" accent4="accent4" accent5="accent5" accent6="accent6" hlink="hlink" folHlink="folHlink"/>
+  </p:clrMapOvr>
+</p:sld>
+</file>
+
 <file path=ppt/slides/slide2.xml><?xml version="1.0" encoding="utf-8"?>
 <p:sld xmlns:a="http://schemas.openxmlformats.org/drawingml/2006/main" xmlns:r="http://schemas.openxmlformats.org/officeDocument/2006/relationships" xmlns:p="http://schemas.openxmlformats.org/presentationml/2006/main">
   <p:cSld>
